--- a/First Semester/Study Material From Teacher/NN/Unit -7 Recurrent Neural Network.pptx
+++ b/First Semester/Study Material From Teacher/NN/Unit -7 Recurrent Neural Network.pptx
@@ -252,7 +252,7 @@
             <a:fld id="{226EBE57-06B5-493A-882E-E27946C0749C}" type="datetimeFigureOut">
               <a:rPr lang="en-US" smtClean="0"/>
               <a:pPr/>
-              <a:t>7/27/2023</a:t>
+              <a:t>6/25/2024</a:t>
             </a:fld>
             <a:endParaRPr lang="en-US"/>
           </a:p>
@@ -699,10 +699,9 @@
           <a:bodyPr/>
           <a:lstStyle/>
           <a:p>
-            <a:fld id="{08295401-A47B-4E13-8BC9-23B87DDAB279}" type="datetimeFigureOut">
+            <a:fld id="{1C0FF4E5-A4BB-4ED0-AD2A-2492BE898BAE}" type="datetime1">
               <a:rPr lang="en-US" smtClean="0"/>
-              <a:pPr/>
-              <a:t>7/27/2023</a:t>
+              <a:t>6/25/2024</a:t>
             </a:fld>
             <a:endParaRPr lang="en-US"/>
           </a:p>
@@ -723,7 +722,10 @@
           <a:bodyPr/>
           <a:lstStyle/>
           <a:p>
-            <a:endParaRPr lang="en-US"/>
+            <a:r>
+              <a:rPr lang="en-US"/>
+              <a:t>Neural Network:M.Sc. CSIT I                    Prepared BY: Arjun Saud</a:t>
+            </a:r>
           </a:p>
         </p:txBody>
       </p:sp>
@@ -865,10 +867,9 @@
           <a:bodyPr/>
           <a:lstStyle/>
           <a:p>
-            <a:fld id="{08295401-A47B-4E13-8BC9-23B87DDAB279}" type="datetimeFigureOut">
+            <a:fld id="{3E64DE32-01DB-4478-946B-C833E5D809B0}" type="datetime1">
               <a:rPr lang="en-US" smtClean="0"/>
-              <a:pPr/>
-              <a:t>7/27/2023</a:t>
+              <a:t>6/25/2024</a:t>
             </a:fld>
             <a:endParaRPr lang="en-US"/>
           </a:p>
@@ -889,7 +890,10 @@
           <a:bodyPr/>
           <a:lstStyle/>
           <a:p>
-            <a:endParaRPr lang="en-US"/>
+            <a:r>
+              <a:rPr lang="en-US"/>
+              <a:t>Neural Network:M.Sc. CSIT I                    Prepared BY: Arjun Saud</a:t>
+            </a:r>
           </a:p>
         </p:txBody>
       </p:sp>
@@ -1041,10 +1045,9 @@
           <a:bodyPr/>
           <a:lstStyle/>
           <a:p>
-            <a:fld id="{08295401-A47B-4E13-8BC9-23B87DDAB279}" type="datetimeFigureOut">
+            <a:fld id="{3D1F1B9D-0F19-4033-A6A0-DB518D0B51BF}" type="datetime1">
               <a:rPr lang="en-US" smtClean="0"/>
-              <a:pPr/>
-              <a:t>7/27/2023</a:t>
+              <a:t>6/25/2024</a:t>
             </a:fld>
             <a:endParaRPr lang="en-US"/>
           </a:p>
@@ -1065,7 +1068,10 @@
           <a:bodyPr/>
           <a:lstStyle/>
           <a:p>
-            <a:endParaRPr lang="en-US"/>
+            <a:r>
+              <a:rPr lang="en-US"/>
+              <a:t>Neural Network:M.Sc. CSIT I                    Prepared BY: Arjun Saud</a:t>
+            </a:r>
           </a:p>
         </p:txBody>
       </p:sp>
@@ -1207,10 +1213,9 @@
           <a:bodyPr/>
           <a:lstStyle/>
           <a:p>
-            <a:fld id="{08295401-A47B-4E13-8BC9-23B87DDAB279}" type="datetimeFigureOut">
+            <a:fld id="{0BB493FF-3EB2-4BF8-AD20-9D544B2BCBF7}" type="datetime1">
               <a:rPr lang="en-US" smtClean="0"/>
-              <a:pPr/>
-              <a:t>7/27/2023</a:t>
+              <a:t>6/25/2024</a:t>
             </a:fld>
             <a:endParaRPr lang="en-US"/>
           </a:p>
@@ -1231,7 +1236,10 @@
           <a:bodyPr/>
           <a:lstStyle/>
           <a:p>
-            <a:endParaRPr lang="en-US"/>
+            <a:r>
+              <a:rPr lang="en-US"/>
+              <a:t>Neural Network:M.Sc. CSIT I                    Prepared BY: Arjun Saud</a:t>
+            </a:r>
           </a:p>
         </p:txBody>
       </p:sp>
@@ -1450,10 +1458,9 @@
           <a:bodyPr/>
           <a:lstStyle/>
           <a:p>
-            <a:fld id="{08295401-A47B-4E13-8BC9-23B87DDAB279}" type="datetimeFigureOut">
+            <a:fld id="{2586728A-3EEE-4879-9EB7-4B90391AF575}" type="datetime1">
               <a:rPr lang="en-US" smtClean="0"/>
-              <a:pPr/>
-              <a:t>7/27/2023</a:t>
+              <a:t>6/25/2024</a:t>
             </a:fld>
             <a:endParaRPr lang="en-US"/>
           </a:p>
@@ -1474,7 +1481,10 @@
           <a:bodyPr/>
           <a:lstStyle/>
           <a:p>
-            <a:endParaRPr lang="en-US"/>
+            <a:r>
+              <a:rPr lang="en-US"/>
+              <a:t>Neural Network:M.Sc. CSIT I                    Prepared BY: Arjun Saud</a:t>
+            </a:r>
           </a:p>
         </p:txBody>
       </p:sp>
@@ -1733,10 +1743,9 @@
           <a:bodyPr/>
           <a:lstStyle/>
           <a:p>
-            <a:fld id="{08295401-A47B-4E13-8BC9-23B87DDAB279}" type="datetimeFigureOut">
+            <a:fld id="{6BEB6B38-783D-4663-BECA-19CFE3C91BEE}" type="datetime1">
               <a:rPr lang="en-US" smtClean="0"/>
-              <a:pPr/>
-              <a:t>7/27/2023</a:t>
+              <a:t>6/25/2024</a:t>
             </a:fld>
             <a:endParaRPr lang="en-US"/>
           </a:p>
@@ -1757,7 +1766,10 @@
           <a:bodyPr/>
           <a:lstStyle/>
           <a:p>
-            <a:endParaRPr lang="en-US"/>
+            <a:r>
+              <a:rPr lang="en-US"/>
+              <a:t>Neural Network:M.Sc. CSIT I                    Prepared BY: Arjun Saud</a:t>
+            </a:r>
           </a:p>
         </p:txBody>
       </p:sp>
@@ -2150,10 +2162,9 @@
           <a:bodyPr/>
           <a:lstStyle/>
           <a:p>
-            <a:fld id="{08295401-A47B-4E13-8BC9-23B87DDAB279}" type="datetimeFigureOut">
+            <a:fld id="{A3DBC232-3F37-45AF-9BA4-8A75248B1ACE}" type="datetime1">
               <a:rPr lang="en-US" smtClean="0"/>
-              <a:pPr/>
-              <a:t>7/27/2023</a:t>
+              <a:t>6/25/2024</a:t>
             </a:fld>
             <a:endParaRPr lang="en-US"/>
           </a:p>
@@ -2174,7 +2185,10 @@
           <a:bodyPr/>
           <a:lstStyle/>
           <a:p>
-            <a:endParaRPr lang="en-US"/>
+            <a:r>
+              <a:rPr lang="en-US"/>
+              <a:t>Neural Network:M.Sc. CSIT I                    Prepared BY: Arjun Saud</a:t>
+            </a:r>
           </a:p>
         </p:txBody>
       </p:sp>
@@ -2265,10 +2279,9 @@
           <a:bodyPr/>
           <a:lstStyle/>
           <a:p>
-            <a:fld id="{08295401-A47B-4E13-8BC9-23B87DDAB279}" type="datetimeFigureOut">
+            <a:fld id="{E93E4305-295B-415F-84E9-8A80FD51B49D}" type="datetime1">
               <a:rPr lang="en-US" smtClean="0"/>
-              <a:pPr/>
-              <a:t>7/27/2023</a:t>
+              <a:t>6/25/2024</a:t>
             </a:fld>
             <a:endParaRPr lang="en-US"/>
           </a:p>
@@ -2289,7 +2302,10 @@
           <a:bodyPr/>
           <a:lstStyle/>
           <a:p>
-            <a:endParaRPr lang="en-US"/>
+            <a:r>
+              <a:rPr lang="en-US"/>
+              <a:t>Neural Network:M.Sc. CSIT I                    Prepared BY: Arjun Saud</a:t>
+            </a:r>
           </a:p>
         </p:txBody>
       </p:sp>
@@ -2358,10 +2374,9 @@
           <a:bodyPr/>
           <a:lstStyle/>
           <a:p>
-            <a:fld id="{08295401-A47B-4E13-8BC9-23B87DDAB279}" type="datetimeFigureOut">
+            <a:fld id="{6CD27B11-E38F-4B8E-8AD6-B1883E260A39}" type="datetime1">
               <a:rPr lang="en-US" smtClean="0"/>
-              <a:pPr/>
-              <a:t>7/27/2023</a:t>
+              <a:t>6/25/2024</a:t>
             </a:fld>
             <a:endParaRPr lang="en-US"/>
           </a:p>
@@ -2382,7 +2397,10 @@
           <a:bodyPr/>
           <a:lstStyle/>
           <a:p>
-            <a:endParaRPr lang="en-US"/>
+            <a:r>
+              <a:rPr lang="en-US"/>
+              <a:t>Neural Network:M.Sc. CSIT I                    Prepared BY: Arjun Saud</a:t>
+            </a:r>
           </a:p>
         </p:txBody>
       </p:sp>
@@ -2631,10 +2649,9 @@
           <a:bodyPr/>
           <a:lstStyle/>
           <a:p>
-            <a:fld id="{08295401-A47B-4E13-8BC9-23B87DDAB279}" type="datetimeFigureOut">
+            <a:fld id="{E834B4F4-7F70-4E02-8D6E-3196FC96DA42}" type="datetime1">
               <a:rPr lang="en-US" smtClean="0"/>
-              <a:pPr/>
-              <a:t>7/27/2023</a:t>
+              <a:t>6/25/2024</a:t>
             </a:fld>
             <a:endParaRPr lang="en-US"/>
           </a:p>
@@ -2655,7 +2672,10 @@
           <a:bodyPr/>
           <a:lstStyle/>
           <a:p>
-            <a:endParaRPr lang="en-US"/>
+            <a:r>
+              <a:rPr lang="en-US"/>
+              <a:t>Neural Network:M.Sc. CSIT I                    Prepared BY: Arjun Saud</a:t>
+            </a:r>
           </a:p>
         </p:txBody>
       </p:sp>
@@ -2881,10 +2901,9 @@
           <a:bodyPr/>
           <a:lstStyle/>
           <a:p>
-            <a:fld id="{08295401-A47B-4E13-8BC9-23B87DDAB279}" type="datetimeFigureOut">
+            <a:fld id="{30908EF0-2748-43C2-ACB5-5E20FC9D319C}" type="datetime1">
               <a:rPr lang="en-US" smtClean="0"/>
-              <a:pPr/>
-              <a:t>7/27/2023</a:t>
+              <a:t>6/25/2024</a:t>
             </a:fld>
             <a:endParaRPr lang="en-US"/>
           </a:p>
@@ -2905,7 +2924,10 @@
           <a:bodyPr/>
           <a:lstStyle/>
           <a:p>
-            <a:endParaRPr lang="en-US"/>
+            <a:r>
+              <a:rPr lang="en-US"/>
+              <a:t>Neural Network:M.Sc. CSIT I                    Prepared BY: Arjun Saud</a:t>
+            </a:r>
           </a:p>
         </p:txBody>
       </p:sp>
@@ -3090,10 +3112,9 @@
             </a:lvl1pPr>
           </a:lstStyle>
           <a:p>
-            <a:fld id="{08295401-A47B-4E13-8BC9-23B87DDAB279}" type="datetimeFigureOut">
+            <a:fld id="{AB3CF200-13D5-4FA9-9BE8-ADB34DBF5997}" type="datetime1">
               <a:rPr lang="en-US" smtClean="0"/>
-              <a:pPr/>
-              <a:t>7/27/2023</a:t>
+              <a:t>6/25/2024</a:t>
             </a:fld>
             <a:endParaRPr lang="en-US"/>
           </a:p>
@@ -3132,7 +3153,10 @@
             </a:lvl1pPr>
           </a:lstStyle>
           <a:p>
-            <a:endParaRPr lang="en-US"/>
+            <a:r>
+              <a:rPr lang="en-US"/>
+              <a:t>Neural Network:M.Sc. CSIT I                    Prepared BY: Arjun Saud</a:t>
+            </a:r>
           </a:p>
         </p:txBody>
       </p:sp>
@@ -3195,6 +3219,7 @@
     <p:sldLayoutId id="2147483659" r:id="rId11"/>
   </p:sldLayoutIdLst>
   <p:transition/>
+  <p:hf sldNum="0" hdr="0"/>
   <p:txStyles>
     <p:titleStyle>
       <a:lvl1pPr algn="ctr" defTabSz="914400" rtl="0" eaLnBrk="1" latinLnBrk="0" hangingPunct="1">
@@ -3533,6 +3558,63 @@
           </a:p>
         </p:txBody>
       </p:sp>
+      <p:sp>
+        <p:nvSpPr>
+          <p:cNvPr id="2" name="Date Placeholder 1">
+            <a:extLst>
+              <a:ext uri="{FF2B5EF4-FFF2-40B4-BE49-F238E27FC236}">
+                <a16:creationId xmlns:a16="http://schemas.microsoft.com/office/drawing/2014/main" id="{BCB4D40E-CBC1-F9BF-9BFA-91614B1D5CD7}"/>
+              </a:ext>
+            </a:extLst>
+          </p:cNvPr>
+          <p:cNvSpPr>
+            <a:spLocks noGrp="1"/>
+          </p:cNvSpPr>
+          <p:nvPr>
+            <p:ph type="dt" sz="half" idx="10"/>
+          </p:nvPr>
+        </p:nvSpPr>
+        <p:spPr/>
+        <p:txBody>
+          <a:bodyPr/>
+          <a:lstStyle/>
+          <a:p>
+            <a:fld id="{3532A814-18E7-48C6-A586-1A6D6534A792}" type="datetime1">
+              <a:rPr lang="en-US" smtClean="0"/>
+              <a:t>6/25/2024</a:t>
+            </a:fld>
+            <a:endParaRPr lang="en-US"/>
+          </a:p>
+        </p:txBody>
+      </p:sp>
+      <p:sp>
+        <p:nvSpPr>
+          <p:cNvPr id="3" name="Footer Placeholder 2">
+            <a:extLst>
+              <a:ext uri="{FF2B5EF4-FFF2-40B4-BE49-F238E27FC236}">
+                <a16:creationId xmlns:a16="http://schemas.microsoft.com/office/drawing/2014/main" id="{94BAC2A8-6E36-929A-98D2-69EEDB3F0C20}"/>
+              </a:ext>
+            </a:extLst>
+          </p:cNvPr>
+          <p:cNvSpPr>
+            <a:spLocks noGrp="1"/>
+          </p:cNvSpPr>
+          <p:nvPr>
+            <p:ph type="ftr" sz="quarter" idx="11"/>
+          </p:nvPr>
+        </p:nvSpPr>
+        <p:spPr/>
+        <p:txBody>
+          <a:bodyPr/>
+          <a:lstStyle/>
+          <a:p>
+            <a:r>
+              <a:rPr lang="en-US"/>
+              <a:t>Neural Network:M.Sc. CSIT I                    Prepared BY: Arjun Saud</a:t>
+            </a:r>
+          </a:p>
+        </p:txBody>
+      </p:sp>
     </p:spTree>
   </p:cSld>
   <p:clrMapOvr>
@@ -3804,6 +3886,63 @@
           </a:graphicData>
         </a:graphic>
       </p:graphicFrame>
+      <p:sp>
+        <p:nvSpPr>
+          <p:cNvPr id="2" name="Date Placeholder 1">
+            <a:extLst>
+              <a:ext uri="{FF2B5EF4-FFF2-40B4-BE49-F238E27FC236}">
+                <a16:creationId xmlns:a16="http://schemas.microsoft.com/office/drawing/2014/main" id="{6DF800E9-F721-EDD7-87B2-2CC3499FBCD8}"/>
+              </a:ext>
+            </a:extLst>
+          </p:cNvPr>
+          <p:cNvSpPr>
+            <a:spLocks noGrp="1"/>
+          </p:cNvSpPr>
+          <p:nvPr>
+            <p:ph type="dt" sz="half" idx="10"/>
+          </p:nvPr>
+        </p:nvSpPr>
+        <p:spPr/>
+        <p:txBody>
+          <a:bodyPr/>
+          <a:lstStyle/>
+          <a:p>
+            <a:fld id="{1FB1A6E3-3761-4E7C-AF75-CB733E786F17}" type="datetime1">
+              <a:rPr lang="en-US" smtClean="0"/>
+              <a:t>6/25/2024</a:t>
+            </a:fld>
+            <a:endParaRPr lang="en-US"/>
+          </a:p>
+        </p:txBody>
+      </p:sp>
+      <p:sp>
+        <p:nvSpPr>
+          <p:cNvPr id="3" name="Footer Placeholder 2">
+            <a:extLst>
+              <a:ext uri="{FF2B5EF4-FFF2-40B4-BE49-F238E27FC236}">
+                <a16:creationId xmlns:a16="http://schemas.microsoft.com/office/drawing/2014/main" id="{0036095B-C524-932D-D408-A30DC425771B}"/>
+              </a:ext>
+            </a:extLst>
+          </p:cNvPr>
+          <p:cNvSpPr>
+            <a:spLocks noGrp="1"/>
+          </p:cNvSpPr>
+          <p:nvPr>
+            <p:ph type="ftr" sz="quarter" idx="11"/>
+          </p:nvPr>
+        </p:nvSpPr>
+        <p:spPr/>
+        <p:txBody>
+          <a:bodyPr/>
+          <a:lstStyle/>
+          <a:p>
+            <a:r>
+              <a:rPr lang="en-US"/>
+              <a:t>Neural Network:M.Sc. CSIT I                    Prepared BY: Arjun Saud</a:t>
+            </a:r>
+          </a:p>
+        </p:txBody>
+      </p:sp>
     </p:spTree>
     <p:extLst>
       <p:ext uri="{BB962C8B-B14F-4D97-AF65-F5344CB8AC3E}">
@@ -3941,6 +4080,63 @@
           </a:p>
         </p:txBody>
       </p:sp>
+      <p:sp>
+        <p:nvSpPr>
+          <p:cNvPr id="2" name="Date Placeholder 1">
+            <a:extLst>
+              <a:ext uri="{FF2B5EF4-FFF2-40B4-BE49-F238E27FC236}">
+                <a16:creationId xmlns:a16="http://schemas.microsoft.com/office/drawing/2014/main" id="{234E94B6-3936-09EA-C624-FC93812850A4}"/>
+              </a:ext>
+            </a:extLst>
+          </p:cNvPr>
+          <p:cNvSpPr>
+            <a:spLocks noGrp="1"/>
+          </p:cNvSpPr>
+          <p:nvPr>
+            <p:ph type="dt" sz="half" idx="10"/>
+          </p:nvPr>
+        </p:nvSpPr>
+        <p:spPr/>
+        <p:txBody>
+          <a:bodyPr/>
+          <a:lstStyle/>
+          <a:p>
+            <a:fld id="{3385049C-217A-47D5-BDBE-7BEF135A35B0}" type="datetime1">
+              <a:rPr lang="en-US" smtClean="0"/>
+              <a:t>6/25/2024</a:t>
+            </a:fld>
+            <a:endParaRPr lang="en-US"/>
+          </a:p>
+        </p:txBody>
+      </p:sp>
+      <p:sp>
+        <p:nvSpPr>
+          <p:cNvPr id="3" name="Footer Placeholder 2">
+            <a:extLst>
+              <a:ext uri="{FF2B5EF4-FFF2-40B4-BE49-F238E27FC236}">
+                <a16:creationId xmlns:a16="http://schemas.microsoft.com/office/drawing/2014/main" id="{D7E5F925-DA40-09CD-0ED7-E8CB75F28E2B}"/>
+              </a:ext>
+            </a:extLst>
+          </p:cNvPr>
+          <p:cNvSpPr>
+            <a:spLocks noGrp="1"/>
+          </p:cNvSpPr>
+          <p:nvPr>
+            <p:ph type="ftr" sz="quarter" idx="11"/>
+          </p:nvPr>
+        </p:nvSpPr>
+        <p:spPr/>
+        <p:txBody>
+          <a:bodyPr/>
+          <a:lstStyle/>
+          <a:p>
+            <a:r>
+              <a:rPr lang="en-US"/>
+              <a:t>Neural Network:M.Sc. CSIT I                    Prepared BY: Arjun Saud</a:t>
+            </a:r>
+          </a:p>
+        </p:txBody>
+      </p:sp>
     </p:spTree>
     <p:extLst>
       <p:ext uri="{BB962C8B-B14F-4D97-AF65-F5344CB8AC3E}">
@@ -4035,6 +4231,63 @@
                 <a:latin typeface="Book Antiqua" pitchFamily="18" charset="0"/>
               </a:rPr>
               <a:t>Any pushdown automaton with two stacks can be simulated by a RNN. Therefore, any computable function can be computed by a RNN. </a:t>
+            </a:r>
+          </a:p>
+        </p:txBody>
+      </p:sp>
+      <p:sp>
+        <p:nvSpPr>
+          <p:cNvPr id="2" name="Date Placeholder 1">
+            <a:extLst>
+              <a:ext uri="{FF2B5EF4-FFF2-40B4-BE49-F238E27FC236}">
+                <a16:creationId xmlns:a16="http://schemas.microsoft.com/office/drawing/2014/main" id="{A51A5338-DF99-AE0C-B38C-018114541E1A}"/>
+              </a:ext>
+            </a:extLst>
+          </p:cNvPr>
+          <p:cNvSpPr>
+            <a:spLocks noGrp="1"/>
+          </p:cNvSpPr>
+          <p:nvPr>
+            <p:ph type="dt" sz="half" idx="10"/>
+          </p:nvPr>
+        </p:nvSpPr>
+        <p:spPr/>
+        <p:txBody>
+          <a:bodyPr/>
+          <a:lstStyle/>
+          <a:p>
+            <a:fld id="{F7C6FBCB-22BB-457E-BC48-2CDC0072E305}" type="datetime1">
+              <a:rPr lang="en-US" smtClean="0"/>
+              <a:t>6/25/2024</a:t>
+            </a:fld>
+            <a:endParaRPr lang="en-US"/>
+          </a:p>
+        </p:txBody>
+      </p:sp>
+      <p:sp>
+        <p:nvSpPr>
+          <p:cNvPr id="3" name="Footer Placeholder 2">
+            <a:extLst>
+              <a:ext uri="{FF2B5EF4-FFF2-40B4-BE49-F238E27FC236}">
+                <a16:creationId xmlns:a16="http://schemas.microsoft.com/office/drawing/2014/main" id="{9CA790D7-2B43-CC08-1CAC-22F9A5B4621C}"/>
+              </a:ext>
+            </a:extLst>
+          </p:cNvPr>
+          <p:cNvSpPr>
+            <a:spLocks noGrp="1"/>
+          </p:cNvSpPr>
+          <p:nvPr>
+            <p:ph type="ftr" sz="quarter" idx="11"/>
+          </p:nvPr>
+        </p:nvSpPr>
+        <p:spPr/>
+        <p:txBody>
+          <a:bodyPr/>
+          <a:lstStyle/>
+          <a:p>
+            <a:r>
+              <a:rPr lang="en-US"/>
+              <a:t>Neural Network:M.Sc. CSIT I                    Prepared BY: Arjun Saud</a:t>
             </a:r>
           </a:p>
         </p:txBody>
@@ -4170,6 +4423,63 @@
           <a:effectLst/>
         </p:spPr>
       </p:pic>
+      <p:sp>
+        <p:nvSpPr>
+          <p:cNvPr id="2" name="Date Placeholder 1">
+            <a:extLst>
+              <a:ext uri="{FF2B5EF4-FFF2-40B4-BE49-F238E27FC236}">
+                <a16:creationId xmlns:a16="http://schemas.microsoft.com/office/drawing/2014/main" id="{344175FA-C66E-8C64-0D8E-CAC29D45BCFC}"/>
+              </a:ext>
+            </a:extLst>
+          </p:cNvPr>
+          <p:cNvSpPr>
+            <a:spLocks noGrp="1"/>
+          </p:cNvSpPr>
+          <p:nvPr>
+            <p:ph type="dt" sz="half" idx="10"/>
+          </p:nvPr>
+        </p:nvSpPr>
+        <p:spPr/>
+        <p:txBody>
+          <a:bodyPr/>
+          <a:lstStyle/>
+          <a:p>
+            <a:fld id="{EAFA3F66-50F3-4721-B8B9-B0E39324349F}" type="datetime1">
+              <a:rPr lang="en-US" smtClean="0"/>
+              <a:t>6/25/2024</a:t>
+            </a:fld>
+            <a:endParaRPr lang="en-US"/>
+          </a:p>
+        </p:txBody>
+      </p:sp>
+      <p:sp>
+        <p:nvSpPr>
+          <p:cNvPr id="3" name="Footer Placeholder 2">
+            <a:extLst>
+              <a:ext uri="{FF2B5EF4-FFF2-40B4-BE49-F238E27FC236}">
+                <a16:creationId xmlns:a16="http://schemas.microsoft.com/office/drawing/2014/main" id="{CADA6D33-69B9-1B8A-4DD2-0F538BAE3441}"/>
+              </a:ext>
+            </a:extLst>
+          </p:cNvPr>
+          <p:cNvSpPr>
+            <a:spLocks noGrp="1"/>
+          </p:cNvSpPr>
+          <p:nvPr>
+            <p:ph type="ftr" sz="quarter" idx="11"/>
+          </p:nvPr>
+        </p:nvSpPr>
+        <p:spPr/>
+        <p:txBody>
+          <a:bodyPr/>
+          <a:lstStyle/>
+          <a:p>
+            <a:r>
+              <a:rPr lang="en-US"/>
+              <a:t>Neural Network:M.Sc. CSIT I                    Prepared BY: Arjun Saud</a:t>
+            </a:r>
+          </a:p>
+        </p:txBody>
+      </p:sp>
     </p:spTree>
     <p:extLst>
       <p:ext uri="{BB962C8B-B14F-4D97-AF65-F5344CB8AC3E}">
@@ -4450,6 +4760,63 @@
           </a:graphicData>
         </a:graphic>
       </p:graphicFrame>
+      <p:sp>
+        <p:nvSpPr>
+          <p:cNvPr id="2" name="Date Placeholder 1">
+            <a:extLst>
+              <a:ext uri="{FF2B5EF4-FFF2-40B4-BE49-F238E27FC236}">
+                <a16:creationId xmlns:a16="http://schemas.microsoft.com/office/drawing/2014/main" id="{BFC47A3C-AC67-EE01-A3D9-66E5C001A120}"/>
+              </a:ext>
+            </a:extLst>
+          </p:cNvPr>
+          <p:cNvSpPr>
+            <a:spLocks noGrp="1"/>
+          </p:cNvSpPr>
+          <p:nvPr>
+            <p:ph type="dt" sz="half" idx="10"/>
+          </p:nvPr>
+        </p:nvSpPr>
+        <p:spPr/>
+        <p:txBody>
+          <a:bodyPr/>
+          <a:lstStyle/>
+          <a:p>
+            <a:fld id="{F2485A46-7645-4961-8B94-445ACED3782D}" type="datetime1">
+              <a:rPr lang="en-US" smtClean="0"/>
+              <a:t>6/25/2024</a:t>
+            </a:fld>
+            <a:endParaRPr lang="en-US"/>
+          </a:p>
+        </p:txBody>
+      </p:sp>
+      <p:sp>
+        <p:nvSpPr>
+          <p:cNvPr id="3" name="Footer Placeholder 2">
+            <a:extLst>
+              <a:ext uri="{FF2B5EF4-FFF2-40B4-BE49-F238E27FC236}">
+                <a16:creationId xmlns:a16="http://schemas.microsoft.com/office/drawing/2014/main" id="{7BD389DA-A6BD-700E-87F9-B3888EE8DC14}"/>
+              </a:ext>
+            </a:extLst>
+          </p:cNvPr>
+          <p:cNvSpPr>
+            <a:spLocks noGrp="1"/>
+          </p:cNvSpPr>
+          <p:nvPr>
+            <p:ph type="ftr" sz="quarter" idx="11"/>
+          </p:nvPr>
+        </p:nvSpPr>
+        <p:spPr/>
+        <p:txBody>
+          <a:bodyPr/>
+          <a:lstStyle/>
+          <a:p>
+            <a:r>
+              <a:rPr lang="en-US"/>
+              <a:t>Neural Network:M.Sc. CSIT I                    Prepared BY: Arjun Saud</a:t>
+            </a:r>
+          </a:p>
+        </p:txBody>
+      </p:sp>
     </p:spTree>
     <p:extLst>
       <p:ext uri="{BB962C8B-B14F-4D97-AF65-F5344CB8AC3E}">
@@ -4678,6 +5045,63 @@
           </a:graphicData>
         </a:graphic>
       </p:graphicFrame>
+      <p:sp>
+        <p:nvSpPr>
+          <p:cNvPr id="2" name="Date Placeholder 1">
+            <a:extLst>
+              <a:ext uri="{FF2B5EF4-FFF2-40B4-BE49-F238E27FC236}">
+                <a16:creationId xmlns:a16="http://schemas.microsoft.com/office/drawing/2014/main" id="{D0406272-5972-A41F-CAA9-39A9A1A168A3}"/>
+              </a:ext>
+            </a:extLst>
+          </p:cNvPr>
+          <p:cNvSpPr>
+            <a:spLocks noGrp="1"/>
+          </p:cNvSpPr>
+          <p:nvPr>
+            <p:ph type="dt" sz="half" idx="10"/>
+          </p:nvPr>
+        </p:nvSpPr>
+        <p:spPr/>
+        <p:txBody>
+          <a:bodyPr/>
+          <a:lstStyle/>
+          <a:p>
+            <a:fld id="{A80E3053-C09A-4205-BBAC-AAAB586B6DB6}" type="datetime1">
+              <a:rPr lang="en-US" smtClean="0"/>
+              <a:t>6/25/2024</a:t>
+            </a:fld>
+            <a:endParaRPr lang="en-US"/>
+          </a:p>
+        </p:txBody>
+      </p:sp>
+      <p:sp>
+        <p:nvSpPr>
+          <p:cNvPr id="3" name="Footer Placeholder 2">
+            <a:extLst>
+              <a:ext uri="{FF2B5EF4-FFF2-40B4-BE49-F238E27FC236}">
+                <a16:creationId xmlns:a16="http://schemas.microsoft.com/office/drawing/2014/main" id="{98E25182-28FF-E123-0519-B92AF0711395}"/>
+              </a:ext>
+            </a:extLst>
+          </p:cNvPr>
+          <p:cNvSpPr>
+            <a:spLocks noGrp="1"/>
+          </p:cNvSpPr>
+          <p:nvPr>
+            <p:ph type="ftr" sz="quarter" idx="11"/>
+          </p:nvPr>
+        </p:nvSpPr>
+        <p:spPr/>
+        <p:txBody>
+          <a:bodyPr/>
+          <a:lstStyle/>
+          <a:p>
+            <a:r>
+              <a:rPr lang="en-US"/>
+              <a:t>Neural Network:M.Sc. CSIT I                    Prepared BY: Arjun Saud</a:t>
+            </a:r>
+          </a:p>
+        </p:txBody>
+      </p:sp>
     </p:spTree>
     <p:extLst>
       <p:ext uri="{BB962C8B-B14F-4D97-AF65-F5344CB8AC3E}">
@@ -5229,6 +5653,63 @@
           </a:graphicData>
         </a:graphic>
       </p:graphicFrame>
+      <p:sp>
+        <p:nvSpPr>
+          <p:cNvPr id="2" name="Date Placeholder 1">
+            <a:extLst>
+              <a:ext uri="{FF2B5EF4-FFF2-40B4-BE49-F238E27FC236}">
+                <a16:creationId xmlns:a16="http://schemas.microsoft.com/office/drawing/2014/main" id="{B1F7AF9A-DE60-2D67-DD90-D332A580DED9}"/>
+              </a:ext>
+            </a:extLst>
+          </p:cNvPr>
+          <p:cNvSpPr>
+            <a:spLocks noGrp="1"/>
+          </p:cNvSpPr>
+          <p:nvPr>
+            <p:ph type="dt" sz="half" idx="10"/>
+          </p:nvPr>
+        </p:nvSpPr>
+        <p:spPr/>
+        <p:txBody>
+          <a:bodyPr/>
+          <a:lstStyle/>
+          <a:p>
+            <a:fld id="{6F4DDE96-9833-437B-89BE-33EFE402180E}" type="datetime1">
+              <a:rPr lang="en-US" smtClean="0"/>
+              <a:t>6/25/2024</a:t>
+            </a:fld>
+            <a:endParaRPr lang="en-US"/>
+          </a:p>
+        </p:txBody>
+      </p:sp>
+      <p:sp>
+        <p:nvSpPr>
+          <p:cNvPr id="3" name="Footer Placeholder 2">
+            <a:extLst>
+              <a:ext uri="{FF2B5EF4-FFF2-40B4-BE49-F238E27FC236}">
+                <a16:creationId xmlns:a16="http://schemas.microsoft.com/office/drawing/2014/main" id="{50F0F40C-ADF6-61BD-8DF5-1667F8D5B94F}"/>
+              </a:ext>
+            </a:extLst>
+          </p:cNvPr>
+          <p:cNvSpPr>
+            <a:spLocks noGrp="1"/>
+          </p:cNvSpPr>
+          <p:nvPr>
+            <p:ph type="ftr" sz="quarter" idx="11"/>
+          </p:nvPr>
+        </p:nvSpPr>
+        <p:spPr/>
+        <p:txBody>
+          <a:bodyPr/>
+          <a:lstStyle/>
+          <a:p>
+            <a:r>
+              <a:rPr lang="en-US"/>
+              <a:t>Neural Network:M.Sc. CSIT I                    Prepared BY: Arjun Saud</a:t>
+            </a:r>
+          </a:p>
+        </p:txBody>
+      </p:sp>
     </p:spTree>
     <p:extLst>
       <p:ext uri="{BB962C8B-B14F-4D97-AF65-F5344CB8AC3E}">
@@ -5606,6 +6087,63 @@
           </a:graphicData>
         </a:graphic>
       </p:graphicFrame>
+      <p:sp>
+        <p:nvSpPr>
+          <p:cNvPr id="2" name="Date Placeholder 1">
+            <a:extLst>
+              <a:ext uri="{FF2B5EF4-FFF2-40B4-BE49-F238E27FC236}">
+                <a16:creationId xmlns:a16="http://schemas.microsoft.com/office/drawing/2014/main" id="{A1064746-D047-F116-86A8-24979E2642AF}"/>
+              </a:ext>
+            </a:extLst>
+          </p:cNvPr>
+          <p:cNvSpPr>
+            <a:spLocks noGrp="1"/>
+          </p:cNvSpPr>
+          <p:nvPr>
+            <p:ph type="dt" sz="half" idx="10"/>
+          </p:nvPr>
+        </p:nvSpPr>
+        <p:spPr/>
+        <p:txBody>
+          <a:bodyPr/>
+          <a:lstStyle/>
+          <a:p>
+            <a:fld id="{8A069060-C506-4920-825C-BAD5EEC6988F}" type="datetime1">
+              <a:rPr lang="en-US" smtClean="0"/>
+              <a:t>6/25/2024</a:t>
+            </a:fld>
+            <a:endParaRPr lang="en-US"/>
+          </a:p>
+        </p:txBody>
+      </p:sp>
+      <p:sp>
+        <p:nvSpPr>
+          <p:cNvPr id="3" name="Footer Placeholder 2">
+            <a:extLst>
+              <a:ext uri="{FF2B5EF4-FFF2-40B4-BE49-F238E27FC236}">
+                <a16:creationId xmlns:a16="http://schemas.microsoft.com/office/drawing/2014/main" id="{4721EEF4-F29A-2F99-AD33-043EFD4171F3}"/>
+              </a:ext>
+            </a:extLst>
+          </p:cNvPr>
+          <p:cNvSpPr>
+            <a:spLocks noGrp="1"/>
+          </p:cNvSpPr>
+          <p:nvPr>
+            <p:ph type="ftr" sz="quarter" idx="11"/>
+          </p:nvPr>
+        </p:nvSpPr>
+        <p:spPr/>
+        <p:txBody>
+          <a:bodyPr/>
+          <a:lstStyle/>
+          <a:p>
+            <a:r>
+              <a:rPr lang="en-US"/>
+              <a:t>Neural Network:M.Sc. CSIT I                    Prepared BY: Arjun Saud</a:t>
+            </a:r>
+          </a:p>
+        </p:txBody>
+      </p:sp>
     </p:spTree>
     <p:extLst>
       <p:ext uri="{BB962C8B-B14F-4D97-AF65-F5344CB8AC3E}">
@@ -5913,6 +6451,63 @@
           </a:graphicData>
         </a:graphic>
       </p:graphicFrame>
+      <p:sp>
+        <p:nvSpPr>
+          <p:cNvPr id="2" name="Date Placeholder 1">
+            <a:extLst>
+              <a:ext uri="{FF2B5EF4-FFF2-40B4-BE49-F238E27FC236}">
+                <a16:creationId xmlns:a16="http://schemas.microsoft.com/office/drawing/2014/main" id="{39DE9864-3F5A-3B90-6F05-271108C04865}"/>
+              </a:ext>
+            </a:extLst>
+          </p:cNvPr>
+          <p:cNvSpPr>
+            <a:spLocks noGrp="1"/>
+          </p:cNvSpPr>
+          <p:nvPr>
+            <p:ph type="dt" sz="half" idx="10"/>
+          </p:nvPr>
+        </p:nvSpPr>
+        <p:spPr/>
+        <p:txBody>
+          <a:bodyPr/>
+          <a:lstStyle/>
+          <a:p>
+            <a:fld id="{F19F607E-BDA9-4618-B1DD-093BFB2431D5}" type="datetime1">
+              <a:rPr lang="en-US" smtClean="0"/>
+              <a:t>6/25/2024</a:t>
+            </a:fld>
+            <a:endParaRPr lang="en-US"/>
+          </a:p>
+        </p:txBody>
+      </p:sp>
+      <p:sp>
+        <p:nvSpPr>
+          <p:cNvPr id="3" name="Footer Placeholder 2">
+            <a:extLst>
+              <a:ext uri="{FF2B5EF4-FFF2-40B4-BE49-F238E27FC236}">
+                <a16:creationId xmlns:a16="http://schemas.microsoft.com/office/drawing/2014/main" id="{D82FB719-6AB0-7551-1324-3BE8583526BB}"/>
+              </a:ext>
+            </a:extLst>
+          </p:cNvPr>
+          <p:cNvSpPr>
+            <a:spLocks noGrp="1"/>
+          </p:cNvSpPr>
+          <p:nvPr>
+            <p:ph type="ftr" sz="quarter" idx="11"/>
+          </p:nvPr>
+        </p:nvSpPr>
+        <p:spPr/>
+        <p:txBody>
+          <a:bodyPr/>
+          <a:lstStyle/>
+          <a:p>
+            <a:r>
+              <a:rPr lang="en-US"/>
+              <a:t>Neural Network:M.Sc. CSIT I                    Prepared BY: Arjun Saud</a:t>
+            </a:r>
+          </a:p>
+        </p:txBody>
+      </p:sp>
     </p:spTree>
     <p:extLst>
       <p:ext uri="{BB962C8B-B14F-4D97-AF65-F5344CB8AC3E}">
@@ -6445,6 +7040,63 @@
           </a:graphicData>
         </a:graphic>
       </p:graphicFrame>
+      <p:sp>
+        <p:nvSpPr>
+          <p:cNvPr id="2" name="Date Placeholder 1">
+            <a:extLst>
+              <a:ext uri="{FF2B5EF4-FFF2-40B4-BE49-F238E27FC236}">
+                <a16:creationId xmlns:a16="http://schemas.microsoft.com/office/drawing/2014/main" id="{9F36EA6E-CC62-7B8E-AE15-6061D48C658C}"/>
+              </a:ext>
+            </a:extLst>
+          </p:cNvPr>
+          <p:cNvSpPr>
+            <a:spLocks noGrp="1"/>
+          </p:cNvSpPr>
+          <p:nvPr>
+            <p:ph type="dt" sz="half" idx="10"/>
+          </p:nvPr>
+        </p:nvSpPr>
+        <p:spPr/>
+        <p:txBody>
+          <a:bodyPr/>
+          <a:lstStyle/>
+          <a:p>
+            <a:fld id="{6E77C74F-DA55-409B-90BD-66849B07D793}" type="datetime1">
+              <a:rPr lang="en-US" smtClean="0"/>
+              <a:t>6/25/2024</a:t>
+            </a:fld>
+            <a:endParaRPr lang="en-US"/>
+          </a:p>
+        </p:txBody>
+      </p:sp>
+      <p:sp>
+        <p:nvSpPr>
+          <p:cNvPr id="3" name="Footer Placeholder 2">
+            <a:extLst>
+              <a:ext uri="{FF2B5EF4-FFF2-40B4-BE49-F238E27FC236}">
+                <a16:creationId xmlns:a16="http://schemas.microsoft.com/office/drawing/2014/main" id="{833A8C87-24C0-D37D-B4B3-18BD405ACF6D}"/>
+              </a:ext>
+            </a:extLst>
+          </p:cNvPr>
+          <p:cNvSpPr>
+            <a:spLocks noGrp="1"/>
+          </p:cNvSpPr>
+          <p:nvPr>
+            <p:ph type="ftr" sz="quarter" idx="11"/>
+          </p:nvPr>
+        </p:nvSpPr>
+        <p:spPr/>
+        <p:txBody>
+          <a:bodyPr/>
+          <a:lstStyle/>
+          <a:p>
+            <a:r>
+              <a:rPr lang="en-US"/>
+              <a:t>Neural Network:M.Sc. CSIT I                    Prepared BY: Arjun Saud</a:t>
+            </a:r>
+          </a:p>
+        </p:txBody>
+      </p:sp>
     </p:spTree>
     <p:extLst>
       <p:ext uri="{BB962C8B-B14F-4D97-AF65-F5344CB8AC3E}">
@@ -6543,6 +7195,63 @@
           </a:p>
         </p:txBody>
       </p:sp>
+      <p:sp>
+        <p:nvSpPr>
+          <p:cNvPr id="2" name="Date Placeholder 1">
+            <a:extLst>
+              <a:ext uri="{FF2B5EF4-FFF2-40B4-BE49-F238E27FC236}">
+                <a16:creationId xmlns:a16="http://schemas.microsoft.com/office/drawing/2014/main" id="{7E33511C-8E81-EE0D-3936-A64638BF9AF0}"/>
+              </a:ext>
+            </a:extLst>
+          </p:cNvPr>
+          <p:cNvSpPr>
+            <a:spLocks noGrp="1"/>
+          </p:cNvSpPr>
+          <p:nvPr>
+            <p:ph type="dt" sz="half" idx="10"/>
+          </p:nvPr>
+        </p:nvSpPr>
+        <p:spPr/>
+        <p:txBody>
+          <a:bodyPr/>
+          <a:lstStyle/>
+          <a:p>
+            <a:fld id="{5B374796-353C-458F-BBC2-ABF3C2EA68E6}" type="datetime1">
+              <a:rPr lang="en-US" smtClean="0"/>
+              <a:t>6/25/2024</a:t>
+            </a:fld>
+            <a:endParaRPr lang="en-US"/>
+          </a:p>
+        </p:txBody>
+      </p:sp>
+      <p:sp>
+        <p:nvSpPr>
+          <p:cNvPr id="3" name="Footer Placeholder 2">
+            <a:extLst>
+              <a:ext uri="{FF2B5EF4-FFF2-40B4-BE49-F238E27FC236}">
+                <a16:creationId xmlns:a16="http://schemas.microsoft.com/office/drawing/2014/main" id="{85A8D7B2-050F-8AB6-86B0-C84F66C4E977}"/>
+              </a:ext>
+            </a:extLst>
+          </p:cNvPr>
+          <p:cNvSpPr>
+            <a:spLocks noGrp="1"/>
+          </p:cNvSpPr>
+          <p:nvPr>
+            <p:ph type="ftr" sz="quarter" idx="11"/>
+          </p:nvPr>
+        </p:nvSpPr>
+        <p:spPr/>
+        <p:txBody>
+          <a:bodyPr/>
+          <a:lstStyle/>
+          <a:p>
+            <a:r>
+              <a:rPr lang="en-US"/>
+              <a:t>Neural Network:M.Sc. CSIT I                    Prepared BY: Arjun Saud</a:t>
+            </a:r>
+          </a:p>
+        </p:txBody>
+      </p:sp>
     </p:spTree>
     <p:extLst>
       <p:ext uri="{BB962C8B-B14F-4D97-AF65-F5344CB8AC3E}">
@@ -6674,6 +7383,63 @@
           </a:p>
         </p:txBody>
       </p:sp>
+      <p:sp>
+        <p:nvSpPr>
+          <p:cNvPr id="2" name="Date Placeholder 1">
+            <a:extLst>
+              <a:ext uri="{FF2B5EF4-FFF2-40B4-BE49-F238E27FC236}">
+                <a16:creationId xmlns:a16="http://schemas.microsoft.com/office/drawing/2014/main" id="{2E3046CD-6777-F2B4-51DD-728E2BBCFF82}"/>
+              </a:ext>
+            </a:extLst>
+          </p:cNvPr>
+          <p:cNvSpPr>
+            <a:spLocks noGrp="1"/>
+          </p:cNvSpPr>
+          <p:nvPr>
+            <p:ph type="dt" sz="half" idx="10"/>
+          </p:nvPr>
+        </p:nvSpPr>
+        <p:spPr/>
+        <p:txBody>
+          <a:bodyPr/>
+          <a:lstStyle/>
+          <a:p>
+            <a:fld id="{1185747F-A0B5-4165-8CAD-69AF2D55A734}" type="datetime1">
+              <a:rPr lang="en-US" smtClean="0"/>
+              <a:t>6/25/2024</a:t>
+            </a:fld>
+            <a:endParaRPr lang="en-US"/>
+          </a:p>
+        </p:txBody>
+      </p:sp>
+      <p:sp>
+        <p:nvSpPr>
+          <p:cNvPr id="3" name="Footer Placeholder 2">
+            <a:extLst>
+              <a:ext uri="{FF2B5EF4-FFF2-40B4-BE49-F238E27FC236}">
+                <a16:creationId xmlns:a16="http://schemas.microsoft.com/office/drawing/2014/main" id="{EE80D915-5F3F-3FB5-27D2-40AAECB0DAA1}"/>
+              </a:ext>
+            </a:extLst>
+          </p:cNvPr>
+          <p:cNvSpPr>
+            <a:spLocks noGrp="1"/>
+          </p:cNvSpPr>
+          <p:nvPr>
+            <p:ph type="ftr" sz="quarter" idx="11"/>
+          </p:nvPr>
+        </p:nvSpPr>
+        <p:spPr/>
+        <p:txBody>
+          <a:bodyPr/>
+          <a:lstStyle/>
+          <a:p>
+            <a:r>
+              <a:rPr lang="en-US"/>
+              <a:t>Neural Network:M.Sc. CSIT I                    Prepared BY: Arjun Saud</a:t>
+            </a:r>
+          </a:p>
+        </p:txBody>
+      </p:sp>
     </p:spTree>
     <p:extLst>
       <p:ext uri="{BB962C8B-B14F-4D97-AF65-F5344CB8AC3E}">
@@ -6786,6 +7552,63 @@
                 <a:latin typeface="Book Antiqua" pitchFamily="18" charset="0"/>
               </a:rPr>
               <a:t>For instance following two gradients can be computed as below.</a:t>
+            </a:r>
+          </a:p>
+        </p:txBody>
+      </p:sp>
+      <p:sp>
+        <p:nvSpPr>
+          <p:cNvPr id="2" name="Date Placeholder 1">
+            <a:extLst>
+              <a:ext uri="{FF2B5EF4-FFF2-40B4-BE49-F238E27FC236}">
+                <a16:creationId xmlns:a16="http://schemas.microsoft.com/office/drawing/2014/main" id="{05FC25F1-EDD3-DE8B-46FB-417CB3A406D7}"/>
+              </a:ext>
+            </a:extLst>
+          </p:cNvPr>
+          <p:cNvSpPr>
+            <a:spLocks noGrp="1"/>
+          </p:cNvSpPr>
+          <p:nvPr>
+            <p:ph type="dt" sz="half" idx="10"/>
+          </p:nvPr>
+        </p:nvSpPr>
+        <p:spPr/>
+        <p:txBody>
+          <a:bodyPr/>
+          <a:lstStyle/>
+          <a:p>
+            <a:fld id="{92AEF946-EBAA-4A6F-A7FC-A0DD8ABD8353}" type="datetime1">
+              <a:rPr lang="en-US" smtClean="0"/>
+              <a:t>6/25/2024</a:t>
+            </a:fld>
+            <a:endParaRPr lang="en-US"/>
+          </a:p>
+        </p:txBody>
+      </p:sp>
+      <p:sp>
+        <p:nvSpPr>
+          <p:cNvPr id="3" name="Footer Placeholder 2">
+            <a:extLst>
+              <a:ext uri="{FF2B5EF4-FFF2-40B4-BE49-F238E27FC236}">
+                <a16:creationId xmlns:a16="http://schemas.microsoft.com/office/drawing/2014/main" id="{43BEDD22-F230-D6B0-F58C-5DFC87E83BD6}"/>
+              </a:ext>
+            </a:extLst>
+          </p:cNvPr>
+          <p:cNvSpPr>
+            <a:spLocks noGrp="1"/>
+          </p:cNvSpPr>
+          <p:nvPr>
+            <p:ph type="ftr" sz="quarter" idx="11"/>
+          </p:nvPr>
+        </p:nvSpPr>
+        <p:spPr/>
+        <p:txBody>
+          <a:bodyPr/>
+          <a:lstStyle/>
+          <a:p>
+            <a:r>
+              <a:rPr lang="en-US"/>
+              <a:t>Neural Network:M.Sc. CSIT I                    Prepared BY: Arjun Saud</a:t>
             </a:r>
           </a:p>
         </p:txBody>
@@ -7073,6 +7896,63 @@
           </a:graphicData>
         </a:graphic>
       </p:graphicFrame>
+      <p:sp>
+        <p:nvSpPr>
+          <p:cNvPr id="2" name="Date Placeholder 1">
+            <a:extLst>
+              <a:ext uri="{FF2B5EF4-FFF2-40B4-BE49-F238E27FC236}">
+                <a16:creationId xmlns:a16="http://schemas.microsoft.com/office/drawing/2014/main" id="{BAAC6AE4-9891-ACD5-50DE-24DCC1CD0E82}"/>
+              </a:ext>
+            </a:extLst>
+          </p:cNvPr>
+          <p:cNvSpPr>
+            <a:spLocks noGrp="1"/>
+          </p:cNvSpPr>
+          <p:nvPr>
+            <p:ph type="dt" sz="half" idx="10"/>
+          </p:nvPr>
+        </p:nvSpPr>
+        <p:spPr/>
+        <p:txBody>
+          <a:bodyPr/>
+          <a:lstStyle/>
+          <a:p>
+            <a:fld id="{B3CFD97E-C562-4B15-BFAD-1B987A5305C1}" type="datetime1">
+              <a:rPr lang="en-US" smtClean="0"/>
+              <a:t>6/25/2024</a:t>
+            </a:fld>
+            <a:endParaRPr lang="en-US"/>
+          </a:p>
+        </p:txBody>
+      </p:sp>
+      <p:sp>
+        <p:nvSpPr>
+          <p:cNvPr id="3" name="Footer Placeholder 2">
+            <a:extLst>
+              <a:ext uri="{FF2B5EF4-FFF2-40B4-BE49-F238E27FC236}">
+                <a16:creationId xmlns:a16="http://schemas.microsoft.com/office/drawing/2014/main" id="{69CC2AB9-47CC-C7C7-A669-33EC60D70B6B}"/>
+              </a:ext>
+            </a:extLst>
+          </p:cNvPr>
+          <p:cNvSpPr>
+            <a:spLocks noGrp="1"/>
+          </p:cNvSpPr>
+          <p:nvPr>
+            <p:ph type="ftr" sz="quarter" idx="11"/>
+          </p:nvPr>
+        </p:nvSpPr>
+        <p:spPr/>
+        <p:txBody>
+          <a:bodyPr/>
+          <a:lstStyle/>
+          <a:p>
+            <a:r>
+              <a:rPr lang="en-US"/>
+              <a:t>Neural Network:M.Sc. CSIT I                    Prepared BY: Arjun Saud</a:t>
+            </a:r>
+          </a:p>
+        </p:txBody>
+      </p:sp>
     </p:spTree>
     <p:extLst>
       <p:ext uri="{BB962C8B-B14F-4D97-AF65-F5344CB8AC3E}">
@@ -7192,6 +8072,63 @@
           </a:p>
         </p:txBody>
       </p:sp>
+      <p:sp>
+        <p:nvSpPr>
+          <p:cNvPr id="2" name="Date Placeholder 1">
+            <a:extLst>
+              <a:ext uri="{FF2B5EF4-FFF2-40B4-BE49-F238E27FC236}">
+                <a16:creationId xmlns:a16="http://schemas.microsoft.com/office/drawing/2014/main" id="{45208BA8-F2D4-58B9-9EF4-13BE80BBBEED}"/>
+              </a:ext>
+            </a:extLst>
+          </p:cNvPr>
+          <p:cNvSpPr>
+            <a:spLocks noGrp="1"/>
+          </p:cNvSpPr>
+          <p:nvPr>
+            <p:ph type="dt" sz="half" idx="10"/>
+          </p:nvPr>
+        </p:nvSpPr>
+        <p:spPr/>
+        <p:txBody>
+          <a:bodyPr/>
+          <a:lstStyle/>
+          <a:p>
+            <a:fld id="{BCB21D74-9300-4AA0-97B2-09DD489FADD7}" type="datetime1">
+              <a:rPr lang="en-US" smtClean="0"/>
+              <a:t>6/25/2024</a:t>
+            </a:fld>
+            <a:endParaRPr lang="en-US"/>
+          </a:p>
+        </p:txBody>
+      </p:sp>
+      <p:sp>
+        <p:nvSpPr>
+          <p:cNvPr id="3" name="Footer Placeholder 2">
+            <a:extLst>
+              <a:ext uri="{FF2B5EF4-FFF2-40B4-BE49-F238E27FC236}">
+                <a16:creationId xmlns:a16="http://schemas.microsoft.com/office/drawing/2014/main" id="{6F82BD5A-CE78-1EC0-A54B-61D1802272D3}"/>
+              </a:ext>
+            </a:extLst>
+          </p:cNvPr>
+          <p:cNvSpPr>
+            <a:spLocks noGrp="1"/>
+          </p:cNvSpPr>
+          <p:nvPr>
+            <p:ph type="ftr" sz="quarter" idx="11"/>
+          </p:nvPr>
+        </p:nvSpPr>
+        <p:spPr/>
+        <p:txBody>
+          <a:bodyPr/>
+          <a:lstStyle/>
+          <a:p>
+            <a:r>
+              <a:rPr lang="en-US"/>
+              <a:t>Neural Network:M.Sc. CSIT I                    Prepared BY: Arjun Saud</a:t>
+            </a:r>
+          </a:p>
+        </p:txBody>
+      </p:sp>
     </p:spTree>
     <p:extLst>
       <p:ext uri="{BB962C8B-B14F-4D97-AF65-F5344CB8AC3E}">
@@ -7299,6 +8236,63 @@
           </a:p>
         </p:txBody>
       </p:sp>
+      <p:sp>
+        <p:nvSpPr>
+          <p:cNvPr id="2" name="Date Placeholder 1">
+            <a:extLst>
+              <a:ext uri="{FF2B5EF4-FFF2-40B4-BE49-F238E27FC236}">
+                <a16:creationId xmlns:a16="http://schemas.microsoft.com/office/drawing/2014/main" id="{80F5593D-F23B-0532-71FF-791CE4B1CD5E}"/>
+              </a:ext>
+            </a:extLst>
+          </p:cNvPr>
+          <p:cNvSpPr>
+            <a:spLocks noGrp="1"/>
+          </p:cNvSpPr>
+          <p:nvPr>
+            <p:ph type="dt" sz="half" idx="10"/>
+          </p:nvPr>
+        </p:nvSpPr>
+        <p:spPr/>
+        <p:txBody>
+          <a:bodyPr/>
+          <a:lstStyle/>
+          <a:p>
+            <a:fld id="{8E7C7B49-B2D2-42F1-80CE-452C75B88E88}" type="datetime1">
+              <a:rPr lang="en-US" smtClean="0"/>
+              <a:t>6/25/2024</a:t>
+            </a:fld>
+            <a:endParaRPr lang="en-US"/>
+          </a:p>
+        </p:txBody>
+      </p:sp>
+      <p:sp>
+        <p:nvSpPr>
+          <p:cNvPr id="3" name="Footer Placeholder 2">
+            <a:extLst>
+              <a:ext uri="{FF2B5EF4-FFF2-40B4-BE49-F238E27FC236}">
+                <a16:creationId xmlns:a16="http://schemas.microsoft.com/office/drawing/2014/main" id="{93BCEE54-2E52-9E6D-3404-E72777AA787C}"/>
+              </a:ext>
+            </a:extLst>
+          </p:cNvPr>
+          <p:cNvSpPr>
+            <a:spLocks noGrp="1"/>
+          </p:cNvSpPr>
+          <p:nvPr>
+            <p:ph type="ftr" sz="quarter" idx="11"/>
+          </p:nvPr>
+        </p:nvSpPr>
+        <p:spPr/>
+        <p:txBody>
+          <a:bodyPr/>
+          <a:lstStyle/>
+          <a:p>
+            <a:r>
+              <a:rPr lang="en-US"/>
+              <a:t>Neural Network:M.Sc. CSIT I                    Prepared BY: Arjun Saud</a:t>
+            </a:r>
+          </a:p>
+        </p:txBody>
+      </p:sp>
     </p:spTree>
     <p:extLst>
       <p:ext uri="{BB962C8B-B14F-4D97-AF65-F5344CB8AC3E}">
@@ -7445,6 +8439,63 @@
           </a:p>
         </p:txBody>
       </p:sp>
+      <p:sp>
+        <p:nvSpPr>
+          <p:cNvPr id="2" name="Date Placeholder 1">
+            <a:extLst>
+              <a:ext uri="{FF2B5EF4-FFF2-40B4-BE49-F238E27FC236}">
+                <a16:creationId xmlns:a16="http://schemas.microsoft.com/office/drawing/2014/main" id="{35A0C007-AB4B-B588-97F8-BA5606BA7689}"/>
+              </a:ext>
+            </a:extLst>
+          </p:cNvPr>
+          <p:cNvSpPr>
+            <a:spLocks noGrp="1"/>
+          </p:cNvSpPr>
+          <p:nvPr>
+            <p:ph type="dt" sz="half" idx="10"/>
+          </p:nvPr>
+        </p:nvSpPr>
+        <p:spPr/>
+        <p:txBody>
+          <a:bodyPr/>
+          <a:lstStyle/>
+          <a:p>
+            <a:fld id="{C4441C13-B857-41A7-ACE4-44DBE44E2E3D}" type="datetime1">
+              <a:rPr lang="en-US" smtClean="0"/>
+              <a:t>6/25/2024</a:t>
+            </a:fld>
+            <a:endParaRPr lang="en-US"/>
+          </a:p>
+        </p:txBody>
+      </p:sp>
+      <p:sp>
+        <p:nvSpPr>
+          <p:cNvPr id="3" name="Footer Placeholder 2">
+            <a:extLst>
+              <a:ext uri="{FF2B5EF4-FFF2-40B4-BE49-F238E27FC236}">
+                <a16:creationId xmlns:a16="http://schemas.microsoft.com/office/drawing/2014/main" id="{9376B1C9-A548-7BA0-5F46-4D2093ACC6FB}"/>
+              </a:ext>
+            </a:extLst>
+          </p:cNvPr>
+          <p:cNvSpPr>
+            <a:spLocks noGrp="1"/>
+          </p:cNvSpPr>
+          <p:nvPr>
+            <p:ph type="ftr" sz="quarter" idx="11"/>
+          </p:nvPr>
+        </p:nvSpPr>
+        <p:spPr/>
+        <p:txBody>
+          <a:bodyPr/>
+          <a:lstStyle/>
+          <a:p>
+            <a:r>
+              <a:rPr lang="en-US"/>
+              <a:t>Neural Network:M.Sc. CSIT I                    Prepared BY: Arjun Saud</a:t>
+            </a:r>
+          </a:p>
+        </p:txBody>
+      </p:sp>
     </p:spTree>
     <p:extLst>
       <p:ext uri="{BB962C8B-B14F-4D97-AF65-F5344CB8AC3E}">
@@ -7543,6 +8594,63 @@
           </a:p>
         </p:txBody>
       </p:sp>
+      <p:sp>
+        <p:nvSpPr>
+          <p:cNvPr id="2" name="Date Placeholder 1">
+            <a:extLst>
+              <a:ext uri="{FF2B5EF4-FFF2-40B4-BE49-F238E27FC236}">
+                <a16:creationId xmlns:a16="http://schemas.microsoft.com/office/drawing/2014/main" id="{D64B7582-F621-BB4C-E369-8204704D18A9}"/>
+              </a:ext>
+            </a:extLst>
+          </p:cNvPr>
+          <p:cNvSpPr>
+            <a:spLocks noGrp="1"/>
+          </p:cNvSpPr>
+          <p:nvPr>
+            <p:ph type="dt" sz="half" idx="10"/>
+          </p:nvPr>
+        </p:nvSpPr>
+        <p:spPr/>
+        <p:txBody>
+          <a:bodyPr/>
+          <a:lstStyle/>
+          <a:p>
+            <a:fld id="{41AAC1CD-704F-486C-A531-B9C7A5537F30}" type="datetime1">
+              <a:rPr lang="en-US" smtClean="0"/>
+              <a:t>6/25/2024</a:t>
+            </a:fld>
+            <a:endParaRPr lang="en-US"/>
+          </a:p>
+        </p:txBody>
+      </p:sp>
+      <p:sp>
+        <p:nvSpPr>
+          <p:cNvPr id="3" name="Footer Placeholder 2">
+            <a:extLst>
+              <a:ext uri="{FF2B5EF4-FFF2-40B4-BE49-F238E27FC236}">
+                <a16:creationId xmlns:a16="http://schemas.microsoft.com/office/drawing/2014/main" id="{06F76183-5F59-E902-1926-3F8B215E65A2}"/>
+              </a:ext>
+            </a:extLst>
+          </p:cNvPr>
+          <p:cNvSpPr>
+            <a:spLocks noGrp="1"/>
+          </p:cNvSpPr>
+          <p:nvPr>
+            <p:ph type="ftr" sz="quarter" idx="11"/>
+          </p:nvPr>
+        </p:nvSpPr>
+        <p:spPr/>
+        <p:txBody>
+          <a:bodyPr/>
+          <a:lstStyle/>
+          <a:p>
+            <a:r>
+              <a:rPr lang="en-US"/>
+              <a:t>Neural Network:M.Sc. CSIT I                    Prepared BY: Arjun Saud</a:t>
+            </a:r>
+          </a:p>
+        </p:txBody>
+      </p:sp>
     </p:spTree>
     <p:extLst>
       <p:ext uri="{BB962C8B-B14F-4D97-AF65-F5344CB8AC3E}">
@@ -7661,6 +8769,63 @@
           </a:p>
         </p:txBody>
       </p:sp>
+      <p:sp>
+        <p:nvSpPr>
+          <p:cNvPr id="2" name="Date Placeholder 1">
+            <a:extLst>
+              <a:ext uri="{FF2B5EF4-FFF2-40B4-BE49-F238E27FC236}">
+                <a16:creationId xmlns:a16="http://schemas.microsoft.com/office/drawing/2014/main" id="{3FD84AA6-023E-6B83-B7FF-73F88DC17315}"/>
+              </a:ext>
+            </a:extLst>
+          </p:cNvPr>
+          <p:cNvSpPr>
+            <a:spLocks noGrp="1"/>
+          </p:cNvSpPr>
+          <p:nvPr>
+            <p:ph type="dt" sz="half" idx="10"/>
+          </p:nvPr>
+        </p:nvSpPr>
+        <p:spPr/>
+        <p:txBody>
+          <a:bodyPr/>
+          <a:lstStyle/>
+          <a:p>
+            <a:fld id="{81D5A0D0-8418-4A14-90BB-2A8BDA83918F}" type="datetime1">
+              <a:rPr lang="en-US" smtClean="0"/>
+              <a:t>6/25/2024</a:t>
+            </a:fld>
+            <a:endParaRPr lang="en-US"/>
+          </a:p>
+        </p:txBody>
+      </p:sp>
+      <p:sp>
+        <p:nvSpPr>
+          <p:cNvPr id="3" name="Footer Placeholder 2">
+            <a:extLst>
+              <a:ext uri="{FF2B5EF4-FFF2-40B4-BE49-F238E27FC236}">
+                <a16:creationId xmlns:a16="http://schemas.microsoft.com/office/drawing/2014/main" id="{C3A8F06B-E8AB-090D-008C-DC59D509D8FA}"/>
+              </a:ext>
+            </a:extLst>
+          </p:cNvPr>
+          <p:cNvSpPr>
+            <a:spLocks noGrp="1"/>
+          </p:cNvSpPr>
+          <p:nvPr>
+            <p:ph type="ftr" sz="quarter" idx="11"/>
+          </p:nvPr>
+        </p:nvSpPr>
+        <p:spPr/>
+        <p:txBody>
+          <a:bodyPr/>
+          <a:lstStyle/>
+          <a:p>
+            <a:r>
+              <a:rPr lang="en-US"/>
+              <a:t>Neural Network:M.Sc. CSIT I                    Prepared BY: Arjun Saud</a:t>
+            </a:r>
+          </a:p>
+        </p:txBody>
+      </p:sp>
     </p:spTree>
     <p:extLst>
       <p:ext uri="{BB962C8B-B14F-4D97-AF65-F5344CB8AC3E}">
@@ -7797,6 +8962,63 @@
           </a:p>
         </p:txBody>
       </p:sp>
+      <p:sp>
+        <p:nvSpPr>
+          <p:cNvPr id="2" name="Date Placeholder 1">
+            <a:extLst>
+              <a:ext uri="{FF2B5EF4-FFF2-40B4-BE49-F238E27FC236}">
+                <a16:creationId xmlns:a16="http://schemas.microsoft.com/office/drawing/2014/main" id="{FC5CD525-62E3-0011-3D55-FED47BD274E0}"/>
+              </a:ext>
+            </a:extLst>
+          </p:cNvPr>
+          <p:cNvSpPr>
+            <a:spLocks noGrp="1"/>
+          </p:cNvSpPr>
+          <p:nvPr>
+            <p:ph type="dt" sz="half" idx="10"/>
+          </p:nvPr>
+        </p:nvSpPr>
+        <p:spPr/>
+        <p:txBody>
+          <a:bodyPr/>
+          <a:lstStyle/>
+          <a:p>
+            <a:fld id="{5E0FA878-B5AB-457F-8DEC-C22D9A1D7334}" type="datetime1">
+              <a:rPr lang="en-US" smtClean="0"/>
+              <a:t>6/25/2024</a:t>
+            </a:fld>
+            <a:endParaRPr lang="en-US"/>
+          </a:p>
+        </p:txBody>
+      </p:sp>
+      <p:sp>
+        <p:nvSpPr>
+          <p:cNvPr id="3" name="Footer Placeholder 2">
+            <a:extLst>
+              <a:ext uri="{FF2B5EF4-FFF2-40B4-BE49-F238E27FC236}">
+                <a16:creationId xmlns:a16="http://schemas.microsoft.com/office/drawing/2014/main" id="{F0294DEE-E6D7-91FB-5187-845012E67714}"/>
+              </a:ext>
+            </a:extLst>
+          </p:cNvPr>
+          <p:cNvSpPr>
+            <a:spLocks noGrp="1"/>
+          </p:cNvSpPr>
+          <p:nvPr>
+            <p:ph type="ftr" sz="quarter" idx="11"/>
+          </p:nvPr>
+        </p:nvSpPr>
+        <p:spPr/>
+        <p:txBody>
+          <a:bodyPr/>
+          <a:lstStyle/>
+          <a:p>
+            <a:r>
+              <a:rPr lang="en-US"/>
+              <a:t>Neural Network:M.Sc. CSIT I                    Prepared BY: Arjun Saud</a:t>
+            </a:r>
+          </a:p>
+        </p:txBody>
+      </p:sp>
     </p:spTree>
     <p:extLst>
       <p:ext uri="{BB962C8B-B14F-4D97-AF65-F5344CB8AC3E}">
@@ -7912,6 +9134,63 @@
           </a:p>
         </p:txBody>
       </p:sp>
+      <p:sp>
+        <p:nvSpPr>
+          <p:cNvPr id="2" name="Date Placeholder 1">
+            <a:extLst>
+              <a:ext uri="{FF2B5EF4-FFF2-40B4-BE49-F238E27FC236}">
+                <a16:creationId xmlns:a16="http://schemas.microsoft.com/office/drawing/2014/main" id="{CFADF1F2-B25C-8B59-C84F-F10F201E224E}"/>
+              </a:ext>
+            </a:extLst>
+          </p:cNvPr>
+          <p:cNvSpPr>
+            <a:spLocks noGrp="1"/>
+          </p:cNvSpPr>
+          <p:nvPr>
+            <p:ph type="dt" sz="half" idx="10"/>
+          </p:nvPr>
+        </p:nvSpPr>
+        <p:spPr/>
+        <p:txBody>
+          <a:bodyPr/>
+          <a:lstStyle/>
+          <a:p>
+            <a:fld id="{7336E6ED-FE1B-414A-8065-5228FECE88C2}" type="datetime1">
+              <a:rPr lang="en-US" smtClean="0"/>
+              <a:t>6/25/2024</a:t>
+            </a:fld>
+            <a:endParaRPr lang="en-US"/>
+          </a:p>
+        </p:txBody>
+      </p:sp>
+      <p:sp>
+        <p:nvSpPr>
+          <p:cNvPr id="3" name="Footer Placeholder 2">
+            <a:extLst>
+              <a:ext uri="{FF2B5EF4-FFF2-40B4-BE49-F238E27FC236}">
+                <a16:creationId xmlns:a16="http://schemas.microsoft.com/office/drawing/2014/main" id="{63BE6763-082A-858A-4CCB-4946516E8F6E}"/>
+              </a:ext>
+            </a:extLst>
+          </p:cNvPr>
+          <p:cNvSpPr>
+            <a:spLocks noGrp="1"/>
+          </p:cNvSpPr>
+          <p:nvPr>
+            <p:ph type="ftr" sz="quarter" idx="11"/>
+          </p:nvPr>
+        </p:nvSpPr>
+        <p:spPr/>
+        <p:txBody>
+          <a:bodyPr/>
+          <a:lstStyle/>
+          <a:p>
+            <a:r>
+              <a:rPr lang="en-US"/>
+              <a:t>Neural Network:M.Sc. CSIT I                    Prepared BY: Arjun Saud</a:t>
+            </a:r>
+          </a:p>
+        </p:txBody>
+      </p:sp>
     </p:spTree>
     <p:extLst>
       <p:ext uri="{BB962C8B-B14F-4D97-AF65-F5344CB8AC3E}">
@@ -8018,6 +9297,63 @@
                 <a:latin typeface="Book Antiqua" pitchFamily="18" charset="0"/>
               </a:rPr>
               <a:t> which remembers all information about what has been calculated. It uses the same parameters for each input as it performs the same task on all the inputs or hidden states to produce the output. </a:t>
+            </a:r>
+          </a:p>
+        </p:txBody>
+      </p:sp>
+      <p:sp>
+        <p:nvSpPr>
+          <p:cNvPr id="2" name="Date Placeholder 1">
+            <a:extLst>
+              <a:ext uri="{FF2B5EF4-FFF2-40B4-BE49-F238E27FC236}">
+                <a16:creationId xmlns:a16="http://schemas.microsoft.com/office/drawing/2014/main" id="{9C91DAE3-8C39-64C5-E048-5D093333D4F2}"/>
+              </a:ext>
+            </a:extLst>
+          </p:cNvPr>
+          <p:cNvSpPr>
+            <a:spLocks noGrp="1"/>
+          </p:cNvSpPr>
+          <p:nvPr>
+            <p:ph type="dt" sz="half" idx="10"/>
+          </p:nvPr>
+        </p:nvSpPr>
+        <p:spPr/>
+        <p:txBody>
+          <a:bodyPr/>
+          <a:lstStyle/>
+          <a:p>
+            <a:fld id="{745855C4-CC7B-477B-802B-16E6A2F431CD}" type="datetime1">
+              <a:rPr lang="en-US" smtClean="0"/>
+              <a:t>6/25/2024</a:t>
+            </a:fld>
+            <a:endParaRPr lang="en-US"/>
+          </a:p>
+        </p:txBody>
+      </p:sp>
+      <p:sp>
+        <p:nvSpPr>
+          <p:cNvPr id="3" name="Footer Placeholder 2">
+            <a:extLst>
+              <a:ext uri="{FF2B5EF4-FFF2-40B4-BE49-F238E27FC236}">
+                <a16:creationId xmlns:a16="http://schemas.microsoft.com/office/drawing/2014/main" id="{571C6D27-41A0-87FB-0234-BDCA347D9551}"/>
+              </a:ext>
+            </a:extLst>
+          </p:cNvPr>
+          <p:cNvSpPr>
+            <a:spLocks noGrp="1"/>
+          </p:cNvSpPr>
+          <p:nvPr>
+            <p:ph type="ftr" sz="quarter" idx="11"/>
+          </p:nvPr>
+        </p:nvSpPr>
+        <p:spPr/>
+        <p:txBody>
+          <a:bodyPr/>
+          <a:lstStyle/>
+          <a:p>
+            <a:r>
+              <a:rPr lang="en-US"/>
+              <a:t>Neural Network:M.Sc. CSIT I                    Prepared BY: Arjun Saud</a:t>
             </a:r>
           </a:p>
         </p:txBody>
@@ -9927,6 +11263,63 @@
           </p:style>
         </p:cxnSp>
       </p:grpSp>
+      <p:sp>
+        <p:nvSpPr>
+          <p:cNvPr id="2" name="Date Placeholder 1">
+            <a:extLst>
+              <a:ext uri="{FF2B5EF4-FFF2-40B4-BE49-F238E27FC236}">
+                <a16:creationId xmlns:a16="http://schemas.microsoft.com/office/drawing/2014/main" id="{E9F01E94-4C54-F9D3-3DFD-7817AD1FAFEC}"/>
+              </a:ext>
+            </a:extLst>
+          </p:cNvPr>
+          <p:cNvSpPr>
+            <a:spLocks noGrp="1"/>
+          </p:cNvSpPr>
+          <p:nvPr>
+            <p:ph type="dt" sz="half" idx="10"/>
+          </p:nvPr>
+        </p:nvSpPr>
+        <p:spPr/>
+        <p:txBody>
+          <a:bodyPr/>
+          <a:lstStyle/>
+          <a:p>
+            <a:fld id="{92104B67-ACD4-4BD5-83F9-86D66C72DAB0}" type="datetime1">
+              <a:rPr lang="en-US" smtClean="0"/>
+              <a:t>6/25/2024</a:t>
+            </a:fld>
+            <a:endParaRPr lang="en-US"/>
+          </a:p>
+        </p:txBody>
+      </p:sp>
+      <p:sp>
+        <p:nvSpPr>
+          <p:cNvPr id="3" name="Footer Placeholder 2">
+            <a:extLst>
+              <a:ext uri="{FF2B5EF4-FFF2-40B4-BE49-F238E27FC236}">
+                <a16:creationId xmlns:a16="http://schemas.microsoft.com/office/drawing/2014/main" id="{EC2814F4-D282-D632-8227-597A3575A0F6}"/>
+              </a:ext>
+            </a:extLst>
+          </p:cNvPr>
+          <p:cNvSpPr>
+            <a:spLocks noGrp="1"/>
+          </p:cNvSpPr>
+          <p:nvPr>
+            <p:ph type="ftr" sz="quarter" idx="11"/>
+          </p:nvPr>
+        </p:nvSpPr>
+        <p:spPr/>
+        <p:txBody>
+          <a:bodyPr/>
+          <a:lstStyle/>
+          <a:p>
+            <a:r>
+              <a:rPr lang="en-US"/>
+              <a:t>Neural Network:M.Sc. CSIT I                    Prepared BY: Arjun Saud</a:t>
+            </a:r>
+          </a:p>
+        </p:txBody>
+      </p:sp>
     </p:spTree>
     <p:extLst>
       <p:ext uri="{BB962C8B-B14F-4D97-AF65-F5344CB8AC3E}">
@@ -11163,6 +12556,63 @@
           </p:sp>
         </mc:Fallback>
       </mc:AlternateContent>
+      <p:sp>
+        <p:nvSpPr>
+          <p:cNvPr id="2" name="Date Placeholder 1">
+            <a:extLst>
+              <a:ext uri="{FF2B5EF4-FFF2-40B4-BE49-F238E27FC236}">
+                <a16:creationId xmlns:a16="http://schemas.microsoft.com/office/drawing/2014/main" id="{DAC70FE0-E7AD-9502-3175-0E712434AEDC}"/>
+              </a:ext>
+            </a:extLst>
+          </p:cNvPr>
+          <p:cNvSpPr>
+            <a:spLocks noGrp="1"/>
+          </p:cNvSpPr>
+          <p:nvPr>
+            <p:ph type="dt" sz="half" idx="10"/>
+          </p:nvPr>
+        </p:nvSpPr>
+        <p:spPr/>
+        <p:txBody>
+          <a:bodyPr/>
+          <a:lstStyle/>
+          <a:p>
+            <a:fld id="{3F7F9586-DC85-4482-9DAC-DE00939E4CFE}" type="datetime1">
+              <a:rPr lang="en-US" smtClean="0"/>
+              <a:t>6/25/2024</a:t>
+            </a:fld>
+            <a:endParaRPr lang="en-US"/>
+          </a:p>
+        </p:txBody>
+      </p:sp>
+      <p:sp>
+        <p:nvSpPr>
+          <p:cNvPr id="5" name="Footer Placeholder 4">
+            <a:extLst>
+              <a:ext uri="{FF2B5EF4-FFF2-40B4-BE49-F238E27FC236}">
+                <a16:creationId xmlns:a16="http://schemas.microsoft.com/office/drawing/2014/main" id="{44DA8D42-E25C-0DD8-579D-3BD852305EF2}"/>
+              </a:ext>
+            </a:extLst>
+          </p:cNvPr>
+          <p:cNvSpPr>
+            <a:spLocks noGrp="1"/>
+          </p:cNvSpPr>
+          <p:nvPr>
+            <p:ph type="ftr" sz="quarter" idx="11"/>
+          </p:nvPr>
+        </p:nvSpPr>
+        <p:spPr/>
+        <p:txBody>
+          <a:bodyPr/>
+          <a:lstStyle/>
+          <a:p>
+            <a:r>
+              <a:rPr lang="en-US"/>
+              <a:t>Neural Network:M.Sc. CSIT I                    Prepared BY: Arjun Saud</a:t>
+            </a:r>
+          </a:p>
+        </p:txBody>
+      </p:sp>
     </p:spTree>
     <p:extLst>
       <p:ext uri="{BB962C8B-B14F-4D97-AF65-F5344CB8AC3E}">
@@ -11439,8 +12889,65 @@
           <a:p>
             <a:pPr algn="just"/>
             <a:endParaRPr lang="en-US" sz="2400" dirty="0">
-              <a:latin typeface="Book Antiqua" pitchFamily="18" charset="0"/>
+              <a:latin typeface="Book Antiqua" panose="02040602050305030304" pitchFamily="18" charset="0"/>
             </a:endParaRPr>
+          </a:p>
+        </p:txBody>
+      </p:sp>
+      <p:sp>
+        <p:nvSpPr>
+          <p:cNvPr id="2" name="Date Placeholder 1">
+            <a:extLst>
+              <a:ext uri="{FF2B5EF4-FFF2-40B4-BE49-F238E27FC236}">
+                <a16:creationId xmlns:a16="http://schemas.microsoft.com/office/drawing/2014/main" id="{8EDE7C96-0981-5A65-F498-C58420C19AF1}"/>
+              </a:ext>
+            </a:extLst>
+          </p:cNvPr>
+          <p:cNvSpPr>
+            <a:spLocks noGrp="1"/>
+          </p:cNvSpPr>
+          <p:nvPr>
+            <p:ph type="dt" sz="half" idx="10"/>
+          </p:nvPr>
+        </p:nvSpPr>
+        <p:spPr/>
+        <p:txBody>
+          <a:bodyPr/>
+          <a:lstStyle/>
+          <a:p>
+            <a:fld id="{0BADC522-D326-4F06-87F7-750B555DA278}" type="datetime1">
+              <a:rPr lang="en-US" smtClean="0"/>
+              <a:t>6/25/2024</a:t>
+            </a:fld>
+            <a:endParaRPr lang="en-US"/>
+          </a:p>
+        </p:txBody>
+      </p:sp>
+      <p:sp>
+        <p:nvSpPr>
+          <p:cNvPr id="3" name="Footer Placeholder 2">
+            <a:extLst>
+              <a:ext uri="{FF2B5EF4-FFF2-40B4-BE49-F238E27FC236}">
+                <a16:creationId xmlns:a16="http://schemas.microsoft.com/office/drawing/2014/main" id="{45C7EFF5-7474-6923-ED52-F105E56F3A76}"/>
+              </a:ext>
+            </a:extLst>
+          </p:cNvPr>
+          <p:cNvSpPr>
+            <a:spLocks noGrp="1"/>
+          </p:cNvSpPr>
+          <p:nvPr>
+            <p:ph type="ftr" sz="quarter" idx="11"/>
+          </p:nvPr>
+        </p:nvSpPr>
+        <p:spPr/>
+        <p:txBody>
+          <a:bodyPr/>
+          <a:lstStyle/>
+          <a:p>
+            <a:r>
+              <a:rPr lang="en-US"/>
+              <a:t>Neural Network:M.Sc. CSIT I                    Prepared BY: Arjun Saud</a:t>
+            </a:r>
           </a:p>
         </p:txBody>
       </p:sp>
@@ -11560,6 +13067,63 @@
           </a:p>
         </p:txBody>
       </p:sp>
+      <p:sp>
+        <p:nvSpPr>
+          <p:cNvPr id="2" name="Date Placeholder 1">
+            <a:extLst>
+              <a:ext uri="{FF2B5EF4-FFF2-40B4-BE49-F238E27FC236}">
+                <a16:creationId xmlns:a16="http://schemas.microsoft.com/office/drawing/2014/main" id="{72C45216-8FF3-106D-2E05-4329422AEDD9}"/>
+              </a:ext>
+            </a:extLst>
+          </p:cNvPr>
+          <p:cNvSpPr>
+            <a:spLocks noGrp="1"/>
+          </p:cNvSpPr>
+          <p:nvPr>
+            <p:ph type="dt" sz="half" idx="10"/>
+          </p:nvPr>
+        </p:nvSpPr>
+        <p:spPr/>
+        <p:txBody>
+          <a:bodyPr/>
+          <a:lstStyle/>
+          <a:p>
+            <a:fld id="{BAA1BBFA-2BA4-40A8-B4BA-3023D0DFB02A}" type="datetime1">
+              <a:rPr lang="en-US" smtClean="0"/>
+              <a:t>6/25/2024</a:t>
+            </a:fld>
+            <a:endParaRPr lang="en-US"/>
+          </a:p>
+        </p:txBody>
+      </p:sp>
+      <p:sp>
+        <p:nvSpPr>
+          <p:cNvPr id="3" name="Footer Placeholder 2">
+            <a:extLst>
+              <a:ext uri="{FF2B5EF4-FFF2-40B4-BE49-F238E27FC236}">
+                <a16:creationId xmlns:a16="http://schemas.microsoft.com/office/drawing/2014/main" id="{3924D829-F81A-B77F-2188-46F9B20E528F}"/>
+              </a:ext>
+            </a:extLst>
+          </p:cNvPr>
+          <p:cNvSpPr>
+            <a:spLocks noGrp="1"/>
+          </p:cNvSpPr>
+          <p:nvPr>
+            <p:ph type="ftr" sz="quarter" idx="11"/>
+          </p:nvPr>
+        </p:nvSpPr>
+        <p:spPr/>
+        <p:txBody>
+          <a:bodyPr/>
+          <a:lstStyle/>
+          <a:p>
+            <a:r>
+              <a:rPr lang="en-US"/>
+              <a:t>Neural Network:M.Sc. CSIT I                    Prepared BY: Arjun Saud</a:t>
+            </a:r>
+          </a:p>
+        </p:txBody>
+      </p:sp>
     </p:spTree>
     <p:extLst>
       <p:ext uri="{BB962C8B-B14F-4D97-AF65-F5344CB8AC3E}">
@@ -11676,6 +13240,63 @@
           </a:p>
         </p:txBody>
       </p:sp>
+      <p:sp>
+        <p:nvSpPr>
+          <p:cNvPr id="2" name="Date Placeholder 1">
+            <a:extLst>
+              <a:ext uri="{FF2B5EF4-FFF2-40B4-BE49-F238E27FC236}">
+                <a16:creationId xmlns:a16="http://schemas.microsoft.com/office/drawing/2014/main" id="{CAE79539-5D1B-6307-83C0-CFE261D6A386}"/>
+              </a:ext>
+            </a:extLst>
+          </p:cNvPr>
+          <p:cNvSpPr>
+            <a:spLocks noGrp="1"/>
+          </p:cNvSpPr>
+          <p:nvPr>
+            <p:ph type="dt" sz="half" idx="10"/>
+          </p:nvPr>
+        </p:nvSpPr>
+        <p:spPr/>
+        <p:txBody>
+          <a:bodyPr/>
+          <a:lstStyle/>
+          <a:p>
+            <a:fld id="{5A063FD4-6883-48FC-AFC4-19B106029A59}" type="datetime1">
+              <a:rPr lang="en-US" smtClean="0"/>
+              <a:t>6/25/2024</a:t>
+            </a:fld>
+            <a:endParaRPr lang="en-US"/>
+          </a:p>
+        </p:txBody>
+      </p:sp>
+      <p:sp>
+        <p:nvSpPr>
+          <p:cNvPr id="3" name="Footer Placeholder 2">
+            <a:extLst>
+              <a:ext uri="{FF2B5EF4-FFF2-40B4-BE49-F238E27FC236}">
+                <a16:creationId xmlns:a16="http://schemas.microsoft.com/office/drawing/2014/main" id="{CACC72A9-0D1A-4439-821A-71622100347D}"/>
+              </a:ext>
+            </a:extLst>
+          </p:cNvPr>
+          <p:cNvSpPr>
+            <a:spLocks noGrp="1"/>
+          </p:cNvSpPr>
+          <p:nvPr>
+            <p:ph type="ftr" sz="quarter" idx="11"/>
+          </p:nvPr>
+        </p:nvSpPr>
+        <p:spPr/>
+        <p:txBody>
+          <a:bodyPr/>
+          <a:lstStyle/>
+          <a:p>
+            <a:r>
+              <a:rPr lang="en-US"/>
+              <a:t>Neural Network:M.Sc. CSIT I                    Prepared BY: Arjun Saud</a:t>
+            </a:r>
+          </a:p>
+        </p:txBody>
+      </p:sp>
     </p:spTree>
     <p:extLst>
       <p:ext uri="{BB962C8B-B14F-4D97-AF65-F5344CB8AC3E}">
@@ -11772,7 +13393,7 @@
           <a:p>
             <a:pPr algn="just"/>
             <a:endParaRPr lang="en-US" sz="2800" dirty="0">
-              <a:latin typeface="Book Antiqua" pitchFamily="18" charset="0"/>
+              <a:latin typeface="Book Antiqua" panose="02040602050305030304" pitchFamily="18" charset="0"/>
             </a:endParaRPr>
           </a:p>
         </p:txBody>
@@ -14167,6 +15788,63 @@
           </p:grpSp>
         </p:grpSp>
       </p:grpSp>
+      <p:sp>
+        <p:nvSpPr>
+          <p:cNvPr id="2" name="Date Placeholder 1">
+            <a:extLst>
+              <a:ext uri="{FF2B5EF4-FFF2-40B4-BE49-F238E27FC236}">
+                <a16:creationId xmlns:a16="http://schemas.microsoft.com/office/drawing/2014/main" id="{238B0E89-BB2B-DD93-48BD-98AC182A2DB3}"/>
+              </a:ext>
+            </a:extLst>
+          </p:cNvPr>
+          <p:cNvSpPr>
+            <a:spLocks noGrp="1"/>
+          </p:cNvSpPr>
+          <p:nvPr>
+            <p:ph type="dt" sz="half" idx="10"/>
+          </p:nvPr>
+        </p:nvSpPr>
+        <p:spPr/>
+        <p:txBody>
+          <a:bodyPr/>
+          <a:lstStyle/>
+          <a:p>
+            <a:fld id="{4BB3A073-CAA0-4D03-91E5-2F606CBF0BC0}" type="datetime1">
+              <a:rPr lang="en-US" smtClean="0"/>
+              <a:t>6/25/2024</a:t>
+            </a:fld>
+            <a:endParaRPr lang="en-US"/>
+          </a:p>
+        </p:txBody>
+      </p:sp>
+      <p:sp>
+        <p:nvSpPr>
+          <p:cNvPr id="3" name="Footer Placeholder 2">
+            <a:extLst>
+              <a:ext uri="{FF2B5EF4-FFF2-40B4-BE49-F238E27FC236}">
+                <a16:creationId xmlns:a16="http://schemas.microsoft.com/office/drawing/2014/main" id="{3A94EAD1-80DB-5A44-B15D-4537C2653C36}"/>
+              </a:ext>
+            </a:extLst>
+          </p:cNvPr>
+          <p:cNvSpPr>
+            <a:spLocks noGrp="1"/>
+          </p:cNvSpPr>
+          <p:nvPr>
+            <p:ph type="ftr" sz="quarter" idx="11"/>
+          </p:nvPr>
+        </p:nvSpPr>
+        <p:spPr/>
+        <p:txBody>
+          <a:bodyPr/>
+          <a:lstStyle/>
+          <a:p>
+            <a:r>
+              <a:rPr lang="en-US"/>
+              <a:t>Neural Network:M.Sc. CSIT I                    Prepared BY: Arjun Saud</a:t>
+            </a:r>
+          </a:p>
+        </p:txBody>
+      </p:sp>
     </p:spTree>
     <p:extLst>
       <p:ext uri="{BB962C8B-B14F-4D97-AF65-F5344CB8AC3E}">
@@ -15026,7 +16704,7 @@
                 </a:pPr>
                 <a:r>
                   <a:rPr lang="en-US" sz="2800" dirty="0">
-                    <a:latin typeface="Book Antiqua" panose="02040602050305030304" pitchFamily="18" charset="0"/>
+                    <a:latin typeface="Book Antiqua" pitchFamily="18" charset="0"/>
                   </a:rPr>
                   <a:t>Where, </a:t>
                 </a:r>
@@ -15114,7 +16792,7 @@
                   <a:buNone/>
                 </a:pPr>
                 <a:endParaRPr lang="en-US" sz="2800" dirty="0">
-                  <a:latin typeface="Book Antiqua" pitchFamily="18" charset="0"/>
+                  <a:latin typeface="Book Antiqua" panose="02040602050305030304" pitchFamily="18" charset="0"/>
                 </a:endParaRPr>
               </a:p>
             </p:txBody>
@@ -15158,6 +16836,63 @@
           </p:sp>
         </mc:Fallback>
       </mc:AlternateContent>
+      <p:sp>
+        <p:nvSpPr>
+          <p:cNvPr id="2" name="Date Placeholder 1">
+            <a:extLst>
+              <a:ext uri="{FF2B5EF4-FFF2-40B4-BE49-F238E27FC236}">
+                <a16:creationId xmlns:a16="http://schemas.microsoft.com/office/drawing/2014/main" id="{C164EC47-AE44-41E3-1A3C-4BCCB81F90AD}"/>
+              </a:ext>
+            </a:extLst>
+          </p:cNvPr>
+          <p:cNvSpPr>
+            <a:spLocks noGrp="1"/>
+          </p:cNvSpPr>
+          <p:nvPr>
+            <p:ph type="dt" sz="half" idx="10"/>
+          </p:nvPr>
+        </p:nvSpPr>
+        <p:spPr/>
+        <p:txBody>
+          <a:bodyPr/>
+          <a:lstStyle/>
+          <a:p>
+            <a:fld id="{1F6F8F87-8776-4660-A651-E1FD0C41DBCD}" type="datetime1">
+              <a:rPr lang="en-US" smtClean="0"/>
+              <a:t>6/25/2024</a:t>
+            </a:fld>
+            <a:endParaRPr lang="en-US"/>
+          </a:p>
+        </p:txBody>
+      </p:sp>
+      <p:sp>
+        <p:nvSpPr>
+          <p:cNvPr id="3" name="Footer Placeholder 2">
+            <a:extLst>
+              <a:ext uri="{FF2B5EF4-FFF2-40B4-BE49-F238E27FC236}">
+                <a16:creationId xmlns:a16="http://schemas.microsoft.com/office/drawing/2014/main" id="{96F480EF-2F1F-0CDD-67FC-B8084B5F2CBC}"/>
+              </a:ext>
+            </a:extLst>
+          </p:cNvPr>
+          <p:cNvSpPr>
+            <a:spLocks noGrp="1"/>
+          </p:cNvSpPr>
+          <p:nvPr>
+            <p:ph type="ftr" sz="quarter" idx="11"/>
+          </p:nvPr>
+        </p:nvSpPr>
+        <p:spPr/>
+        <p:txBody>
+          <a:bodyPr/>
+          <a:lstStyle/>
+          <a:p>
+            <a:r>
+              <a:rPr lang="en-US"/>
+              <a:t>Neural Network:M.Sc. CSIT I                    Prepared BY: Arjun Saud</a:t>
+            </a:r>
+          </a:p>
+        </p:txBody>
+      </p:sp>
     </p:spTree>
     <p:extLst>
       <p:ext uri="{BB962C8B-B14F-4D97-AF65-F5344CB8AC3E}">
@@ -15258,7 +16993,7 @@
             <a:pPr algn="just"/>
             <a:r>
               <a:rPr lang="en-US" sz="2800" dirty="0">
-                <a:latin typeface="Book Antiqua" panose="02040602050305030304" pitchFamily="18" charset="0"/>
+                <a:latin typeface="Book Antiqua" pitchFamily="18" charset="0"/>
               </a:rPr>
               <a:t>An associative memory stores a set of p patterns </a:t>
             </a:r>
@@ -15290,6 +17025,63 @@
             <a:endParaRPr lang="en-US" sz="2800" dirty="0">
               <a:latin typeface="Book Antiqua" pitchFamily="18" charset="0"/>
             </a:endParaRPr>
+          </a:p>
+        </p:txBody>
+      </p:sp>
+      <p:sp>
+        <p:nvSpPr>
+          <p:cNvPr id="2" name="Date Placeholder 1">
+            <a:extLst>
+              <a:ext uri="{FF2B5EF4-FFF2-40B4-BE49-F238E27FC236}">
+                <a16:creationId xmlns:a16="http://schemas.microsoft.com/office/drawing/2014/main" id="{05C401EA-F24A-3E2D-D462-A47637E297EE}"/>
+              </a:ext>
+            </a:extLst>
+          </p:cNvPr>
+          <p:cNvSpPr>
+            <a:spLocks noGrp="1"/>
+          </p:cNvSpPr>
+          <p:nvPr>
+            <p:ph type="dt" sz="half" idx="10"/>
+          </p:nvPr>
+        </p:nvSpPr>
+        <p:spPr/>
+        <p:txBody>
+          <a:bodyPr/>
+          <a:lstStyle/>
+          <a:p>
+            <a:fld id="{1C2D9476-86E7-44AF-A9E2-E0B3C0671F32}" type="datetime1">
+              <a:rPr lang="en-US" smtClean="0"/>
+              <a:t>6/25/2024</a:t>
+            </a:fld>
+            <a:endParaRPr lang="en-US"/>
+          </a:p>
+        </p:txBody>
+      </p:sp>
+      <p:sp>
+        <p:nvSpPr>
+          <p:cNvPr id="3" name="Footer Placeholder 2">
+            <a:extLst>
+              <a:ext uri="{FF2B5EF4-FFF2-40B4-BE49-F238E27FC236}">
+                <a16:creationId xmlns:a16="http://schemas.microsoft.com/office/drawing/2014/main" id="{7AA43358-0020-1048-8770-ACF6C767B63F}"/>
+              </a:ext>
+            </a:extLst>
+          </p:cNvPr>
+          <p:cNvSpPr>
+            <a:spLocks noGrp="1"/>
+          </p:cNvSpPr>
+          <p:nvPr>
+            <p:ph type="ftr" sz="quarter" idx="11"/>
+          </p:nvPr>
+        </p:nvSpPr>
+        <p:spPr/>
+        <p:txBody>
+          <a:bodyPr/>
+          <a:lstStyle/>
+          <a:p>
+            <a:r>
+              <a:rPr lang="en-US"/>
+              <a:t>Neural Network:M.Sc. CSIT I                    Prepared BY: Arjun Saud</a:t>
+            </a:r>
           </a:p>
         </p:txBody>
       </p:sp>
@@ -15410,14 +17202,71 @@
           <a:p>
             <a:pPr algn="just"/>
             <a:endParaRPr lang="en-US" sz="2800" dirty="0">
-              <a:latin typeface="Book Antiqua" panose="02040602050305030304" pitchFamily="18" charset="0"/>
+              <a:latin typeface="Book Antiqua" pitchFamily="18" charset="0"/>
             </a:endParaRPr>
           </a:p>
           <a:p>
             <a:pPr algn="just"/>
             <a:endParaRPr lang="en-US" sz="2800" dirty="0">
-              <a:latin typeface="Book Antiqua" panose="02040602050305030304" pitchFamily="18" charset="0"/>
+              <a:latin typeface="Book Antiqua" pitchFamily="18" charset="0"/>
             </a:endParaRPr>
+          </a:p>
+        </p:txBody>
+      </p:sp>
+      <p:sp>
+        <p:nvSpPr>
+          <p:cNvPr id="2" name="Date Placeholder 1">
+            <a:extLst>
+              <a:ext uri="{FF2B5EF4-FFF2-40B4-BE49-F238E27FC236}">
+                <a16:creationId xmlns:a16="http://schemas.microsoft.com/office/drawing/2014/main" id="{BED41CFE-8F19-50DC-C701-1070051FA126}"/>
+              </a:ext>
+            </a:extLst>
+          </p:cNvPr>
+          <p:cNvSpPr>
+            <a:spLocks noGrp="1"/>
+          </p:cNvSpPr>
+          <p:nvPr>
+            <p:ph type="dt" sz="half" idx="10"/>
+          </p:nvPr>
+        </p:nvSpPr>
+        <p:spPr/>
+        <p:txBody>
+          <a:bodyPr/>
+          <a:lstStyle/>
+          <a:p>
+            <a:fld id="{F6DDFE4A-364C-457F-9DA5-5DC9591EBA22}" type="datetime1">
+              <a:rPr lang="en-US" smtClean="0"/>
+              <a:t>6/25/2024</a:t>
+            </a:fld>
+            <a:endParaRPr lang="en-US"/>
+          </a:p>
+        </p:txBody>
+      </p:sp>
+      <p:sp>
+        <p:nvSpPr>
+          <p:cNvPr id="3" name="Footer Placeholder 2">
+            <a:extLst>
+              <a:ext uri="{FF2B5EF4-FFF2-40B4-BE49-F238E27FC236}">
+                <a16:creationId xmlns:a16="http://schemas.microsoft.com/office/drawing/2014/main" id="{E7CA3B25-B36B-63F2-EEC9-BE4FFBAE6E70}"/>
+              </a:ext>
+            </a:extLst>
+          </p:cNvPr>
+          <p:cNvSpPr>
+            <a:spLocks noGrp="1"/>
+          </p:cNvSpPr>
+          <p:nvPr>
+            <p:ph type="ftr" sz="quarter" idx="11"/>
+          </p:nvPr>
+        </p:nvSpPr>
+        <p:spPr/>
+        <p:txBody>
+          <a:bodyPr/>
+          <a:lstStyle/>
+          <a:p>
+            <a:r>
+              <a:rPr lang="en-US"/>
+              <a:t>Neural Network:M.Sc. CSIT I                    Prepared BY: Arjun Saud</a:t>
+            </a:r>
           </a:p>
         </p:txBody>
       </p:sp>
@@ -15551,6 +17400,63 @@
           </a:extLst>
         </p:spPr>
       </p:pic>
+      <p:sp>
+        <p:nvSpPr>
+          <p:cNvPr id="2" name="Date Placeholder 1">
+            <a:extLst>
+              <a:ext uri="{FF2B5EF4-FFF2-40B4-BE49-F238E27FC236}">
+                <a16:creationId xmlns:a16="http://schemas.microsoft.com/office/drawing/2014/main" id="{3DE17ED2-44D5-9FAC-A471-99EF56BFBD4C}"/>
+              </a:ext>
+            </a:extLst>
+          </p:cNvPr>
+          <p:cNvSpPr>
+            <a:spLocks noGrp="1"/>
+          </p:cNvSpPr>
+          <p:nvPr>
+            <p:ph type="dt" sz="half" idx="10"/>
+          </p:nvPr>
+        </p:nvSpPr>
+        <p:spPr/>
+        <p:txBody>
+          <a:bodyPr/>
+          <a:lstStyle/>
+          <a:p>
+            <a:fld id="{EA44B0B4-AFD0-4E9F-939F-199FA145C70D}" type="datetime1">
+              <a:rPr lang="en-US" smtClean="0"/>
+              <a:t>6/25/2024</a:t>
+            </a:fld>
+            <a:endParaRPr lang="en-US"/>
+          </a:p>
+        </p:txBody>
+      </p:sp>
+      <p:sp>
+        <p:nvSpPr>
+          <p:cNvPr id="3" name="Footer Placeholder 2">
+            <a:extLst>
+              <a:ext uri="{FF2B5EF4-FFF2-40B4-BE49-F238E27FC236}">
+                <a16:creationId xmlns:a16="http://schemas.microsoft.com/office/drawing/2014/main" id="{80F6274E-0323-EB5B-390B-B1C2ECB0A4F9}"/>
+              </a:ext>
+            </a:extLst>
+          </p:cNvPr>
+          <p:cNvSpPr>
+            <a:spLocks noGrp="1"/>
+          </p:cNvSpPr>
+          <p:nvPr>
+            <p:ph type="ftr" sz="quarter" idx="11"/>
+          </p:nvPr>
+        </p:nvSpPr>
+        <p:spPr/>
+        <p:txBody>
+          <a:bodyPr/>
+          <a:lstStyle/>
+          <a:p>
+            <a:r>
+              <a:rPr lang="en-US"/>
+              <a:t>Neural Network:M.Sc. CSIT I                    Prepared BY: Arjun Saud</a:t>
+            </a:r>
+          </a:p>
+        </p:txBody>
+      </p:sp>
     </p:spTree>
     <p:extLst>
       <p:ext uri="{BB962C8B-B14F-4D97-AF65-F5344CB8AC3E}">
@@ -15655,6 +17561,63 @@
           </a:p>
         </p:txBody>
       </p:sp>
+      <p:sp>
+        <p:nvSpPr>
+          <p:cNvPr id="2" name="Date Placeholder 1">
+            <a:extLst>
+              <a:ext uri="{FF2B5EF4-FFF2-40B4-BE49-F238E27FC236}">
+                <a16:creationId xmlns:a16="http://schemas.microsoft.com/office/drawing/2014/main" id="{0F3BABBA-3386-5ED7-F97D-B6B99FD68FE6}"/>
+              </a:ext>
+            </a:extLst>
+          </p:cNvPr>
+          <p:cNvSpPr>
+            <a:spLocks noGrp="1"/>
+          </p:cNvSpPr>
+          <p:nvPr>
+            <p:ph type="dt" sz="half" idx="10"/>
+          </p:nvPr>
+        </p:nvSpPr>
+        <p:spPr/>
+        <p:txBody>
+          <a:bodyPr/>
+          <a:lstStyle/>
+          <a:p>
+            <a:fld id="{A37FCD11-F89F-4A6A-B85E-762A5EE25248}" type="datetime1">
+              <a:rPr lang="en-US" smtClean="0"/>
+              <a:t>6/25/2024</a:t>
+            </a:fld>
+            <a:endParaRPr lang="en-US"/>
+          </a:p>
+        </p:txBody>
+      </p:sp>
+      <p:sp>
+        <p:nvSpPr>
+          <p:cNvPr id="3" name="Footer Placeholder 2">
+            <a:extLst>
+              <a:ext uri="{FF2B5EF4-FFF2-40B4-BE49-F238E27FC236}">
+                <a16:creationId xmlns:a16="http://schemas.microsoft.com/office/drawing/2014/main" id="{0053977D-64F3-5805-5A3C-4347B80AFD08}"/>
+              </a:ext>
+            </a:extLst>
+          </p:cNvPr>
+          <p:cNvSpPr>
+            <a:spLocks noGrp="1"/>
+          </p:cNvSpPr>
+          <p:nvPr>
+            <p:ph type="ftr" sz="quarter" idx="11"/>
+          </p:nvPr>
+        </p:nvSpPr>
+        <p:spPr/>
+        <p:txBody>
+          <a:bodyPr/>
+          <a:lstStyle/>
+          <a:p>
+            <a:r>
+              <a:rPr lang="en-US"/>
+              <a:t>Neural Network:M.Sc. CSIT I                    Prepared BY: Arjun Saud</a:t>
+            </a:r>
+          </a:p>
+        </p:txBody>
+      </p:sp>
     </p:spTree>
     <p:extLst>
       <p:ext uri="{BB962C8B-B14F-4D97-AF65-F5344CB8AC3E}">
@@ -15772,14 +17735,71 @@
           <a:p>
             <a:pPr algn="just"/>
             <a:endParaRPr lang="en-US" sz="2800" dirty="0">
-              <a:latin typeface="Book Antiqua" panose="02040602050305030304" pitchFamily="18" charset="0"/>
+              <a:latin typeface="Book Antiqua" pitchFamily="18" charset="0"/>
             </a:endParaRPr>
           </a:p>
           <a:p>
             <a:pPr algn="just"/>
             <a:endParaRPr lang="en-US" sz="2800" dirty="0">
-              <a:latin typeface="Book Antiqua" panose="02040602050305030304" pitchFamily="18" charset="0"/>
+              <a:latin typeface="Book Antiqua" pitchFamily="18" charset="0"/>
             </a:endParaRPr>
+          </a:p>
+        </p:txBody>
+      </p:sp>
+      <p:sp>
+        <p:nvSpPr>
+          <p:cNvPr id="2" name="Date Placeholder 1">
+            <a:extLst>
+              <a:ext uri="{FF2B5EF4-FFF2-40B4-BE49-F238E27FC236}">
+                <a16:creationId xmlns:a16="http://schemas.microsoft.com/office/drawing/2014/main" id="{F5C469C2-059B-3901-E4C9-FFBD972C7E40}"/>
+              </a:ext>
+            </a:extLst>
+          </p:cNvPr>
+          <p:cNvSpPr>
+            <a:spLocks noGrp="1"/>
+          </p:cNvSpPr>
+          <p:nvPr>
+            <p:ph type="dt" sz="half" idx="10"/>
+          </p:nvPr>
+        </p:nvSpPr>
+        <p:spPr/>
+        <p:txBody>
+          <a:bodyPr/>
+          <a:lstStyle/>
+          <a:p>
+            <a:fld id="{462FE59B-3CC5-4690-8019-AFB2050D5C94}" type="datetime1">
+              <a:rPr lang="en-US" smtClean="0"/>
+              <a:t>6/25/2024</a:t>
+            </a:fld>
+            <a:endParaRPr lang="en-US"/>
+          </a:p>
+        </p:txBody>
+      </p:sp>
+      <p:sp>
+        <p:nvSpPr>
+          <p:cNvPr id="3" name="Footer Placeholder 2">
+            <a:extLst>
+              <a:ext uri="{FF2B5EF4-FFF2-40B4-BE49-F238E27FC236}">
+                <a16:creationId xmlns:a16="http://schemas.microsoft.com/office/drawing/2014/main" id="{99B2A9CA-9BCA-C81C-97E6-CB3CCA2C4A9D}"/>
+              </a:ext>
+            </a:extLst>
+          </p:cNvPr>
+          <p:cNvSpPr>
+            <a:spLocks noGrp="1"/>
+          </p:cNvSpPr>
+          <p:nvPr>
+            <p:ph type="ftr" sz="quarter" idx="11"/>
+          </p:nvPr>
+        </p:nvSpPr>
+        <p:spPr/>
+        <p:txBody>
+          <a:bodyPr/>
+          <a:lstStyle/>
+          <a:p>
+            <a:r>
+              <a:rPr lang="en-US"/>
+              <a:t>Neural Network:M.Sc. CSIT I                    Prepared BY: Arjun Saud</a:t>
+            </a:r>
           </a:p>
         </p:txBody>
       </p:sp>
@@ -15890,6 +17910,63 @@
           </a:p>
         </p:txBody>
       </p:sp>
+      <p:sp>
+        <p:nvSpPr>
+          <p:cNvPr id="2" name="Date Placeholder 1">
+            <a:extLst>
+              <a:ext uri="{FF2B5EF4-FFF2-40B4-BE49-F238E27FC236}">
+                <a16:creationId xmlns:a16="http://schemas.microsoft.com/office/drawing/2014/main" id="{7F84D448-A127-4500-DE41-B9432EAF45A4}"/>
+              </a:ext>
+            </a:extLst>
+          </p:cNvPr>
+          <p:cNvSpPr>
+            <a:spLocks noGrp="1"/>
+          </p:cNvSpPr>
+          <p:nvPr>
+            <p:ph type="dt" sz="half" idx="10"/>
+          </p:nvPr>
+        </p:nvSpPr>
+        <p:spPr/>
+        <p:txBody>
+          <a:bodyPr/>
+          <a:lstStyle/>
+          <a:p>
+            <a:fld id="{BAD7D9CB-3F5B-44CA-878B-6458E8A7E7BE}" type="datetime1">
+              <a:rPr lang="en-US" smtClean="0"/>
+              <a:t>6/25/2024</a:t>
+            </a:fld>
+            <a:endParaRPr lang="en-US"/>
+          </a:p>
+        </p:txBody>
+      </p:sp>
+      <p:sp>
+        <p:nvSpPr>
+          <p:cNvPr id="3" name="Footer Placeholder 2">
+            <a:extLst>
+              <a:ext uri="{FF2B5EF4-FFF2-40B4-BE49-F238E27FC236}">
+                <a16:creationId xmlns:a16="http://schemas.microsoft.com/office/drawing/2014/main" id="{8E8BDFAC-2ED4-BEDB-25B1-CFC763D287BA}"/>
+              </a:ext>
+            </a:extLst>
+          </p:cNvPr>
+          <p:cNvSpPr>
+            <a:spLocks noGrp="1"/>
+          </p:cNvSpPr>
+          <p:nvPr>
+            <p:ph type="ftr" sz="quarter" idx="11"/>
+          </p:nvPr>
+        </p:nvSpPr>
+        <p:spPr/>
+        <p:txBody>
+          <a:bodyPr/>
+          <a:lstStyle/>
+          <a:p>
+            <a:r>
+              <a:rPr lang="en-US"/>
+              <a:t>Neural Network:M.Sc. CSIT I                    Prepared BY: Arjun Saud</a:t>
+            </a:r>
+          </a:p>
+        </p:txBody>
+      </p:sp>
     </p:spTree>
     <p:extLst>
       <p:ext uri="{BB962C8B-B14F-4D97-AF65-F5344CB8AC3E}">
@@ -16015,6 +18092,63 @@
           </a:p>
         </p:txBody>
       </p:sp>
+      <p:sp>
+        <p:nvSpPr>
+          <p:cNvPr id="2" name="Date Placeholder 1">
+            <a:extLst>
+              <a:ext uri="{FF2B5EF4-FFF2-40B4-BE49-F238E27FC236}">
+                <a16:creationId xmlns:a16="http://schemas.microsoft.com/office/drawing/2014/main" id="{6028330E-DF34-F6A0-4C8A-1268C702535C}"/>
+              </a:ext>
+            </a:extLst>
+          </p:cNvPr>
+          <p:cNvSpPr>
+            <a:spLocks noGrp="1"/>
+          </p:cNvSpPr>
+          <p:nvPr>
+            <p:ph type="dt" sz="half" idx="10"/>
+          </p:nvPr>
+        </p:nvSpPr>
+        <p:spPr/>
+        <p:txBody>
+          <a:bodyPr/>
+          <a:lstStyle/>
+          <a:p>
+            <a:fld id="{36727E0A-8114-4C27-B5A3-4D1903936B1A}" type="datetime1">
+              <a:rPr lang="en-US" smtClean="0"/>
+              <a:t>6/25/2024</a:t>
+            </a:fld>
+            <a:endParaRPr lang="en-US"/>
+          </a:p>
+        </p:txBody>
+      </p:sp>
+      <p:sp>
+        <p:nvSpPr>
+          <p:cNvPr id="3" name="Footer Placeholder 2">
+            <a:extLst>
+              <a:ext uri="{FF2B5EF4-FFF2-40B4-BE49-F238E27FC236}">
+                <a16:creationId xmlns:a16="http://schemas.microsoft.com/office/drawing/2014/main" id="{55194D7D-37A5-206E-3E95-E16326E2E41F}"/>
+              </a:ext>
+            </a:extLst>
+          </p:cNvPr>
+          <p:cNvSpPr>
+            <a:spLocks noGrp="1"/>
+          </p:cNvSpPr>
+          <p:nvPr>
+            <p:ph type="ftr" sz="quarter" idx="11"/>
+          </p:nvPr>
+        </p:nvSpPr>
+        <p:spPr/>
+        <p:txBody>
+          <a:bodyPr/>
+          <a:lstStyle/>
+          <a:p>
+            <a:r>
+              <a:rPr lang="en-US"/>
+              <a:t>Neural Network:M.Sc. CSIT I                    Prepared BY: Arjun Saud</a:t>
+            </a:r>
+          </a:p>
+        </p:txBody>
+      </p:sp>
     </p:spTree>
     <p:extLst>
       <p:ext uri="{BB962C8B-B14F-4D97-AF65-F5344CB8AC3E}">
@@ -16157,6 +18291,63 @@
                 <a:latin typeface="Book Antiqua" panose="02040602050305030304" pitchFamily="18" charset="0"/>
               </a:rPr>
               <a:t>.</a:t>
+            </a:r>
+          </a:p>
+        </p:txBody>
+      </p:sp>
+      <p:sp>
+        <p:nvSpPr>
+          <p:cNvPr id="2" name="Date Placeholder 1">
+            <a:extLst>
+              <a:ext uri="{FF2B5EF4-FFF2-40B4-BE49-F238E27FC236}">
+                <a16:creationId xmlns:a16="http://schemas.microsoft.com/office/drawing/2014/main" id="{52E4F1A2-F85F-1887-C07B-6821DB87BCAA}"/>
+              </a:ext>
+            </a:extLst>
+          </p:cNvPr>
+          <p:cNvSpPr>
+            <a:spLocks noGrp="1"/>
+          </p:cNvSpPr>
+          <p:nvPr>
+            <p:ph type="dt" sz="half" idx="10"/>
+          </p:nvPr>
+        </p:nvSpPr>
+        <p:spPr/>
+        <p:txBody>
+          <a:bodyPr/>
+          <a:lstStyle/>
+          <a:p>
+            <a:fld id="{9C414941-CFFA-4E73-B02F-442CC5F8496F}" type="datetime1">
+              <a:rPr lang="en-US" smtClean="0"/>
+              <a:t>6/25/2024</a:t>
+            </a:fld>
+            <a:endParaRPr lang="en-US"/>
+          </a:p>
+        </p:txBody>
+      </p:sp>
+      <p:sp>
+        <p:nvSpPr>
+          <p:cNvPr id="3" name="Footer Placeholder 2">
+            <a:extLst>
+              <a:ext uri="{FF2B5EF4-FFF2-40B4-BE49-F238E27FC236}">
+                <a16:creationId xmlns:a16="http://schemas.microsoft.com/office/drawing/2014/main" id="{B87DDA88-424E-A47F-A8DA-F5ECBC87D9BF}"/>
+              </a:ext>
+            </a:extLst>
+          </p:cNvPr>
+          <p:cNvSpPr>
+            <a:spLocks noGrp="1"/>
+          </p:cNvSpPr>
+          <p:nvPr>
+            <p:ph type="ftr" sz="quarter" idx="11"/>
+          </p:nvPr>
+        </p:nvSpPr>
+        <p:spPr/>
+        <p:txBody>
+          <a:bodyPr/>
+          <a:lstStyle/>
+          <a:p>
+            <a:r>
+              <a:rPr lang="en-US"/>
+              <a:t>Neural Network:M.Sc. CSIT I                    Prepared BY: Arjun Saud</a:t>
             </a:r>
           </a:p>
         </p:txBody>
@@ -16259,6 +18450,63 @@
           </a:extLst>
         </p:spPr>
       </p:pic>
+      <p:sp>
+        <p:nvSpPr>
+          <p:cNvPr id="2" name="Date Placeholder 1">
+            <a:extLst>
+              <a:ext uri="{FF2B5EF4-FFF2-40B4-BE49-F238E27FC236}">
+                <a16:creationId xmlns:a16="http://schemas.microsoft.com/office/drawing/2014/main" id="{AD16AF11-CCDC-38BC-74B7-13743D1457F2}"/>
+              </a:ext>
+            </a:extLst>
+          </p:cNvPr>
+          <p:cNvSpPr>
+            <a:spLocks noGrp="1"/>
+          </p:cNvSpPr>
+          <p:nvPr>
+            <p:ph type="dt" sz="half" idx="10"/>
+          </p:nvPr>
+        </p:nvSpPr>
+        <p:spPr/>
+        <p:txBody>
+          <a:bodyPr/>
+          <a:lstStyle/>
+          <a:p>
+            <a:fld id="{0B3F5E6E-4FCD-4A1D-AF3F-CF96B145E910}" type="datetime1">
+              <a:rPr lang="en-US" smtClean="0"/>
+              <a:t>6/25/2024</a:t>
+            </a:fld>
+            <a:endParaRPr lang="en-US"/>
+          </a:p>
+        </p:txBody>
+      </p:sp>
+      <p:sp>
+        <p:nvSpPr>
+          <p:cNvPr id="3" name="Footer Placeholder 2">
+            <a:extLst>
+              <a:ext uri="{FF2B5EF4-FFF2-40B4-BE49-F238E27FC236}">
+                <a16:creationId xmlns:a16="http://schemas.microsoft.com/office/drawing/2014/main" id="{6EA74245-1BBA-E904-FECF-C786D03F0A16}"/>
+              </a:ext>
+            </a:extLst>
+          </p:cNvPr>
+          <p:cNvSpPr>
+            <a:spLocks noGrp="1"/>
+          </p:cNvSpPr>
+          <p:nvPr>
+            <p:ph type="ftr" sz="quarter" idx="11"/>
+          </p:nvPr>
+        </p:nvSpPr>
+        <p:spPr/>
+        <p:txBody>
+          <a:bodyPr/>
+          <a:lstStyle/>
+          <a:p>
+            <a:r>
+              <a:rPr lang="en-US"/>
+              <a:t>Neural Network:M.Sc. CSIT I                    Prepared BY: Arjun Saud</a:t>
+            </a:r>
+          </a:p>
+        </p:txBody>
+      </p:sp>
     </p:spTree>
     <p:extLst>
       <p:ext uri="{BB962C8B-B14F-4D97-AF65-F5344CB8AC3E}">
@@ -16520,6 +18768,63 @@
           </a:graphicData>
         </a:graphic>
       </p:graphicFrame>
+      <p:sp>
+        <p:nvSpPr>
+          <p:cNvPr id="2" name="Date Placeholder 1">
+            <a:extLst>
+              <a:ext uri="{FF2B5EF4-FFF2-40B4-BE49-F238E27FC236}">
+                <a16:creationId xmlns:a16="http://schemas.microsoft.com/office/drawing/2014/main" id="{31181F60-B89B-1E6C-5AE3-58E237ADA64B}"/>
+              </a:ext>
+            </a:extLst>
+          </p:cNvPr>
+          <p:cNvSpPr>
+            <a:spLocks noGrp="1"/>
+          </p:cNvSpPr>
+          <p:nvPr>
+            <p:ph type="dt" sz="half" idx="10"/>
+          </p:nvPr>
+        </p:nvSpPr>
+        <p:spPr/>
+        <p:txBody>
+          <a:bodyPr/>
+          <a:lstStyle/>
+          <a:p>
+            <a:fld id="{179A2845-EE80-441E-BE20-9B2A2ACC9955}" type="datetime1">
+              <a:rPr lang="en-US" smtClean="0"/>
+              <a:t>6/25/2024</a:t>
+            </a:fld>
+            <a:endParaRPr lang="en-US"/>
+          </a:p>
+        </p:txBody>
+      </p:sp>
+      <p:sp>
+        <p:nvSpPr>
+          <p:cNvPr id="3" name="Footer Placeholder 2">
+            <a:extLst>
+              <a:ext uri="{FF2B5EF4-FFF2-40B4-BE49-F238E27FC236}">
+                <a16:creationId xmlns:a16="http://schemas.microsoft.com/office/drawing/2014/main" id="{ED11942D-9F58-8006-E336-B09A7D86679B}"/>
+              </a:ext>
+            </a:extLst>
+          </p:cNvPr>
+          <p:cNvSpPr>
+            <a:spLocks noGrp="1"/>
+          </p:cNvSpPr>
+          <p:nvPr>
+            <p:ph type="ftr" sz="quarter" idx="11"/>
+          </p:nvPr>
+        </p:nvSpPr>
+        <p:spPr/>
+        <p:txBody>
+          <a:bodyPr/>
+          <a:lstStyle/>
+          <a:p>
+            <a:r>
+              <a:rPr lang="en-US"/>
+              <a:t>Neural Network:M.Sc. CSIT I                    Prepared BY: Arjun Saud</a:t>
+            </a:r>
+          </a:p>
+        </p:txBody>
+      </p:sp>
     </p:spTree>
     <p:extLst>
       <p:ext uri="{BB962C8B-B14F-4D97-AF65-F5344CB8AC3E}">
@@ -16650,6 +18955,63 @@
             <a:endParaRPr lang="en-US" sz="2600" dirty="0">
               <a:latin typeface="Book Antiqua" pitchFamily="18" charset="0"/>
             </a:endParaRPr>
+          </a:p>
+        </p:txBody>
+      </p:sp>
+      <p:sp>
+        <p:nvSpPr>
+          <p:cNvPr id="2" name="Date Placeholder 1">
+            <a:extLst>
+              <a:ext uri="{FF2B5EF4-FFF2-40B4-BE49-F238E27FC236}">
+                <a16:creationId xmlns:a16="http://schemas.microsoft.com/office/drawing/2014/main" id="{44AA2F1F-7AD1-9513-3378-ABC3FFB2CFE0}"/>
+              </a:ext>
+            </a:extLst>
+          </p:cNvPr>
+          <p:cNvSpPr>
+            <a:spLocks noGrp="1"/>
+          </p:cNvSpPr>
+          <p:nvPr>
+            <p:ph type="dt" sz="half" idx="10"/>
+          </p:nvPr>
+        </p:nvSpPr>
+        <p:spPr/>
+        <p:txBody>
+          <a:bodyPr/>
+          <a:lstStyle/>
+          <a:p>
+            <a:fld id="{55AD1123-804A-47E2-8FE8-7D4624BADA14}" type="datetime1">
+              <a:rPr lang="en-US" smtClean="0"/>
+              <a:t>6/25/2024</a:t>
+            </a:fld>
+            <a:endParaRPr lang="en-US"/>
+          </a:p>
+        </p:txBody>
+      </p:sp>
+      <p:sp>
+        <p:nvSpPr>
+          <p:cNvPr id="3" name="Footer Placeholder 2">
+            <a:extLst>
+              <a:ext uri="{FF2B5EF4-FFF2-40B4-BE49-F238E27FC236}">
+                <a16:creationId xmlns:a16="http://schemas.microsoft.com/office/drawing/2014/main" id="{0CDED271-3CC1-96B3-F926-8B4438C25E29}"/>
+              </a:ext>
+            </a:extLst>
+          </p:cNvPr>
+          <p:cNvSpPr>
+            <a:spLocks noGrp="1"/>
+          </p:cNvSpPr>
+          <p:nvPr>
+            <p:ph type="ftr" sz="quarter" idx="11"/>
+          </p:nvPr>
+        </p:nvSpPr>
+        <p:spPr/>
+        <p:txBody>
+          <a:bodyPr/>
+          <a:lstStyle/>
+          <a:p>
+            <a:r>
+              <a:rPr lang="en-US"/>
+              <a:t>Neural Network:M.Sc. CSIT I                    Prepared BY: Arjun Saud</a:t>
+            </a:r>
           </a:p>
         </p:txBody>
       </p:sp>
@@ -17247,6 +19609,63 @@
           </a:graphicData>
         </a:graphic>
       </p:graphicFrame>
+      <p:sp>
+        <p:nvSpPr>
+          <p:cNvPr id="2" name="Date Placeholder 1">
+            <a:extLst>
+              <a:ext uri="{FF2B5EF4-FFF2-40B4-BE49-F238E27FC236}">
+                <a16:creationId xmlns:a16="http://schemas.microsoft.com/office/drawing/2014/main" id="{89F46B02-EF5E-9D4F-664A-E8875AD8FF68}"/>
+              </a:ext>
+            </a:extLst>
+          </p:cNvPr>
+          <p:cNvSpPr>
+            <a:spLocks noGrp="1"/>
+          </p:cNvSpPr>
+          <p:nvPr>
+            <p:ph type="dt" sz="half" idx="10"/>
+          </p:nvPr>
+        </p:nvSpPr>
+        <p:spPr/>
+        <p:txBody>
+          <a:bodyPr/>
+          <a:lstStyle/>
+          <a:p>
+            <a:fld id="{2A71EC96-B309-432D-92BF-204C888F8E95}" type="datetime1">
+              <a:rPr lang="en-US" smtClean="0"/>
+              <a:t>6/25/2024</a:t>
+            </a:fld>
+            <a:endParaRPr lang="en-US"/>
+          </a:p>
+        </p:txBody>
+      </p:sp>
+      <p:sp>
+        <p:nvSpPr>
+          <p:cNvPr id="3" name="Footer Placeholder 2">
+            <a:extLst>
+              <a:ext uri="{FF2B5EF4-FFF2-40B4-BE49-F238E27FC236}">
+                <a16:creationId xmlns:a16="http://schemas.microsoft.com/office/drawing/2014/main" id="{7F5A7D7F-47B2-5FC8-6D17-6530798B7139}"/>
+              </a:ext>
+            </a:extLst>
+          </p:cNvPr>
+          <p:cNvSpPr>
+            <a:spLocks noGrp="1"/>
+          </p:cNvSpPr>
+          <p:nvPr>
+            <p:ph type="ftr" sz="quarter" idx="11"/>
+          </p:nvPr>
+        </p:nvSpPr>
+        <p:spPr/>
+        <p:txBody>
+          <a:bodyPr/>
+          <a:lstStyle/>
+          <a:p>
+            <a:r>
+              <a:rPr lang="en-US"/>
+              <a:t>Neural Network:M.Sc. CSIT I                    Prepared BY: Arjun Saud</a:t>
+            </a:r>
+          </a:p>
+        </p:txBody>
+      </p:sp>
     </p:spTree>
     <p:extLst>
       <p:ext uri="{BB962C8B-B14F-4D97-AF65-F5344CB8AC3E}">
@@ -17726,6 +20145,63 @@
           </a:graphicData>
         </a:graphic>
       </p:graphicFrame>
+      <p:sp>
+        <p:nvSpPr>
+          <p:cNvPr id="2" name="Date Placeholder 1">
+            <a:extLst>
+              <a:ext uri="{FF2B5EF4-FFF2-40B4-BE49-F238E27FC236}">
+                <a16:creationId xmlns:a16="http://schemas.microsoft.com/office/drawing/2014/main" id="{9C61A3D6-B8CA-FB55-169C-5859BEFDC518}"/>
+              </a:ext>
+            </a:extLst>
+          </p:cNvPr>
+          <p:cNvSpPr>
+            <a:spLocks noGrp="1"/>
+          </p:cNvSpPr>
+          <p:nvPr>
+            <p:ph type="dt" sz="half" idx="10"/>
+          </p:nvPr>
+        </p:nvSpPr>
+        <p:spPr/>
+        <p:txBody>
+          <a:bodyPr/>
+          <a:lstStyle/>
+          <a:p>
+            <a:fld id="{C77C51A0-1689-4F5C-B5DC-8C84712A685E}" type="datetime1">
+              <a:rPr lang="en-US" smtClean="0"/>
+              <a:t>6/25/2024</a:t>
+            </a:fld>
+            <a:endParaRPr lang="en-US"/>
+          </a:p>
+        </p:txBody>
+      </p:sp>
+      <p:sp>
+        <p:nvSpPr>
+          <p:cNvPr id="3" name="Footer Placeholder 2">
+            <a:extLst>
+              <a:ext uri="{FF2B5EF4-FFF2-40B4-BE49-F238E27FC236}">
+                <a16:creationId xmlns:a16="http://schemas.microsoft.com/office/drawing/2014/main" id="{5B7E677A-46AF-A440-0B5F-AE7A9683FADC}"/>
+              </a:ext>
+            </a:extLst>
+          </p:cNvPr>
+          <p:cNvSpPr>
+            <a:spLocks noGrp="1"/>
+          </p:cNvSpPr>
+          <p:nvPr>
+            <p:ph type="ftr" sz="quarter" idx="11"/>
+          </p:nvPr>
+        </p:nvSpPr>
+        <p:spPr/>
+        <p:txBody>
+          <a:bodyPr/>
+          <a:lstStyle/>
+          <a:p>
+            <a:r>
+              <a:rPr lang="en-US"/>
+              <a:t>Neural Network:M.Sc. CSIT I                    Prepared BY: Arjun Saud</a:t>
+            </a:r>
+          </a:p>
+        </p:txBody>
+      </p:sp>
     </p:spTree>
     <p:extLst>
       <p:ext uri="{BB962C8B-B14F-4D97-AF65-F5344CB8AC3E}">
@@ -18052,6 +20528,63 @@
           </a:graphicData>
         </a:graphic>
       </p:graphicFrame>
+      <p:sp>
+        <p:nvSpPr>
+          <p:cNvPr id="2" name="Date Placeholder 1">
+            <a:extLst>
+              <a:ext uri="{FF2B5EF4-FFF2-40B4-BE49-F238E27FC236}">
+                <a16:creationId xmlns:a16="http://schemas.microsoft.com/office/drawing/2014/main" id="{1EF16BEE-69D8-8835-6653-DB1F7798A913}"/>
+              </a:ext>
+            </a:extLst>
+          </p:cNvPr>
+          <p:cNvSpPr>
+            <a:spLocks noGrp="1"/>
+          </p:cNvSpPr>
+          <p:nvPr>
+            <p:ph type="dt" sz="half" idx="10"/>
+          </p:nvPr>
+        </p:nvSpPr>
+        <p:spPr/>
+        <p:txBody>
+          <a:bodyPr/>
+          <a:lstStyle/>
+          <a:p>
+            <a:fld id="{E2AE666C-5402-4CB6-90DF-957AF4C05F88}" type="datetime1">
+              <a:rPr lang="en-US" smtClean="0"/>
+              <a:t>6/25/2024</a:t>
+            </a:fld>
+            <a:endParaRPr lang="en-US"/>
+          </a:p>
+        </p:txBody>
+      </p:sp>
+      <p:sp>
+        <p:nvSpPr>
+          <p:cNvPr id="3" name="Footer Placeholder 2">
+            <a:extLst>
+              <a:ext uri="{FF2B5EF4-FFF2-40B4-BE49-F238E27FC236}">
+                <a16:creationId xmlns:a16="http://schemas.microsoft.com/office/drawing/2014/main" id="{629808F4-5CB3-9B32-C63E-A04D07AFF6AA}"/>
+              </a:ext>
+            </a:extLst>
+          </p:cNvPr>
+          <p:cNvSpPr>
+            <a:spLocks noGrp="1"/>
+          </p:cNvSpPr>
+          <p:nvPr>
+            <p:ph type="ftr" sz="quarter" idx="11"/>
+          </p:nvPr>
+        </p:nvSpPr>
+        <p:spPr/>
+        <p:txBody>
+          <a:bodyPr/>
+          <a:lstStyle/>
+          <a:p>
+            <a:r>
+              <a:rPr lang="en-US"/>
+              <a:t>Neural Network:M.Sc. CSIT I                    Prepared BY: Arjun Saud</a:t>
+            </a:r>
+          </a:p>
+        </p:txBody>
+      </p:sp>
     </p:spTree>
     <p:extLst>
       <p:ext uri="{BB962C8B-B14F-4D97-AF65-F5344CB8AC3E}">
